--- a/Nuclear_Fuel_Performance/NE533_Spring2022/MOOSE/MOOSE_project.pptx
+++ b/Nuclear_Fuel_Performance/NE533_Spring2022/MOOSE/MOOSE_project.pptx
@@ -302,7 +302,7 @@
             </a:pPr>
             <a:fld id="{D6F3A803-A045-354B-887A-01433CE46FC2}" type="datetime1">
               <a:rPr lang="en-US" smtClean="0"/>
-              <a:t>3/30/21</a:t>
+              <a:t>5/11/21</a:t>
             </a:fld>
             <a:endParaRPr lang="en-US"/>
           </a:p>
@@ -495,7 +495,7 @@
             </a:pPr>
             <a:fld id="{A8B33C1D-C2E2-1049-AA3F-CD6E91052752}" type="datetime1">
               <a:rPr lang="en-US" smtClean="0"/>
-              <a:t>3/30/21</a:t>
+              <a:t>5/11/21</a:t>
             </a:fld>
             <a:endParaRPr lang="en-US"/>
           </a:p>
@@ -697,7 +697,7 @@
             </a:pPr>
             <a:fld id="{2791AD68-B60C-4542-BDDD-2074DE6DE828}" type="datetime1">
               <a:rPr lang="en-US" smtClean="0"/>
-              <a:t>3/30/21</a:t>
+              <a:t>5/11/21</a:t>
             </a:fld>
             <a:endParaRPr lang="en-US"/>
           </a:p>
@@ -896,7 +896,7 @@
             </a:pPr>
             <a:fld id="{C5BD04BF-9DC2-6341-92B2-BD109A2EF3B1}" type="datetime1">
               <a:rPr lang="en-US" smtClean="0"/>
-              <a:t>3/30/21</a:t>
+              <a:t>5/11/21</a:t>
             </a:fld>
             <a:endParaRPr lang="en-US"/>
           </a:p>
@@ -1166,7 +1166,7 @@
             </a:pPr>
             <a:fld id="{FB0FFBC7-3028-644D-986B-D9855CB74B38}" type="datetime1">
               <a:rPr lang="en-US" smtClean="0"/>
-              <a:t>3/30/21</a:t>
+              <a:t>5/11/21</a:t>
             </a:fld>
             <a:endParaRPr lang="en-US"/>
           </a:p>
@@ -1477,7 +1477,7 @@
             </a:pPr>
             <a:fld id="{2C3B8AE4-01F5-CC42-9C62-61BC6528368B}" type="datetime1">
               <a:rPr lang="en-US" smtClean="0"/>
-              <a:t>3/30/21</a:t>
+              <a:t>5/11/21</a:t>
             </a:fld>
             <a:endParaRPr lang="en-US"/>
           </a:p>
@@ -1920,7 +1920,7 @@
             </a:pPr>
             <a:fld id="{77E49314-4A78-2444-9569-44EB70168344}" type="datetime1">
               <a:rPr lang="en-US" smtClean="0"/>
-              <a:t>3/30/21</a:t>
+              <a:t>5/11/21</a:t>
             </a:fld>
             <a:endParaRPr lang="en-US"/>
           </a:p>
@@ -2061,7 +2061,7 @@
             </a:pPr>
             <a:fld id="{5BC22837-4683-B242-B000-BCEE30621787}" type="datetime1">
               <a:rPr lang="en-US" smtClean="0"/>
-              <a:t>3/30/21</a:t>
+              <a:t>5/11/21</a:t>
             </a:fld>
             <a:endParaRPr lang="en-US"/>
           </a:p>
@@ -2180,7 +2180,7 @@
             </a:pPr>
             <a:fld id="{DCDAE926-7EF1-0B40-B57E-417D188A609C}" type="datetime1">
               <a:rPr lang="en-US" smtClean="0"/>
-              <a:t>3/30/21</a:t>
+              <a:t>5/11/21</a:t>
             </a:fld>
             <a:endParaRPr lang="en-US"/>
           </a:p>
@@ -2479,7 +2479,7 @@
             </a:pPr>
             <a:fld id="{518D107B-B9C7-5B41-A168-55258AB95F52}" type="datetime1">
               <a:rPr lang="en-US" smtClean="0"/>
-              <a:t>3/30/21</a:t>
+              <a:t>5/11/21</a:t>
             </a:fld>
             <a:endParaRPr lang="en-US"/>
           </a:p>
@@ -2763,7 +2763,7 @@
             </a:pPr>
             <a:fld id="{3AD92D36-EE82-3142-B011-9831FB5E702F}" type="datetime1">
               <a:rPr lang="en-US" smtClean="0"/>
-              <a:t>3/30/21</a:t>
+              <a:t>5/11/21</a:t>
             </a:fld>
             <a:endParaRPr lang="en-US"/>
           </a:p>
@@ -2904,7 +2904,7 @@
               </a14:hiddenLine>
             </a:ext>
             <a:ext uri="{FAA26D3D-D897-4be2-8F04-BA451C77F1D7}">
-              <ma14:placeholderFlag xmlns:ma14="http://schemas.microsoft.com/office/mac/drawingml/2011/main" xmlns="" val="1"/>
+              <ma14:placeholderFlag xmlns="" xmlns:ma14="http://schemas.microsoft.com/office/mac/drawingml/2011/main" val="1"/>
             </a:ext>
           </a:extLst>
         </p:spPr>
@@ -2972,7 +2972,7 @@
               </a14:hiddenLine>
             </a:ext>
             <a:ext uri="{FAA26D3D-D897-4be2-8F04-BA451C77F1D7}">
-              <ma14:placeholderFlag xmlns:ma14="http://schemas.microsoft.com/office/mac/drawingml/2011/main" xmlns="" val="1"/>
+              <ma14:placeholderFlag xmlns="" xmlns:ma14="http://schemas.microsoft.com/office/mac/drawingml/2011/main" val="1"/>
             </a:ext>
           </a:extLst>
         </p:spPr>
@@ -3068,7 +3068,7 @@
             </a:pPr>
             <a:fld id="{3EE08B4B-7256-494F-A90D-3891BD685F4A}" type="datetime1">
               <a:rPr lang="en-US" smtClean="0"/>
-              <a:t>3/30/21</a:t>
+              <a:t>5/11/21</a:t>
             </a:fld>
             <a:endParaRPr lang="en-US" dirty="0"/>
           </a:p>
@@ -4168,7 +4168,7 @@
         <p:spPr>
           <a:xfrm>
             <a:off x="667872" y="1968501"/>
-            <a:ext cx="5257797" cy="3970318"/>
+            <a:ext cx="5257797" cy="4801314"/>
           </a:xfrm>
           <a:prstGeom prst="rect">
             <a:avLst/>
@@ -4180,6 +4180,100 @@
             <a:spAutoFit/>
           </a:bodyPr>
           <a:lstStyle/>
+          <a:p>
+            <a:pPr marL="285750" marR="0" lvl="0" indent="-285750" algn="l" defTabSz="914400" rtl="0" eaLnBrk="1" fontAlgn="auto" latinLnBrk="0" hangingPunct="1">
+              <a:lnSpc>
+                <a:spcPct val="100000"/>
+              </a:lnSpc>
+              <a:spcBef>
+                <a:spcPts val="0"/>
+              </a:spcBef>
+              <a:spcAft>
+                <a:spcPts val="0"/>
+              </a:spcAft>
+              <a:buClrTx/>
+              <a:buSzTx/>
+              <a:buFont typeface="Arial" panose="020B0604020202020204" pitchFamily="34" charset="0"/>
+              <a:buChar char="•"/>
+              <a:tabLst/>
+              <a:defRPr/>
+            </a:pPr>
+            <a:r>
+              <a:rPr kumimoji="0" lang="en-US" sz="1800" b="0" i="0" u="none" strike="noStrike" kern="1200" cap="none" spc="0" normalizeH="0" baseline="0" noProof="0" dirty="0">
+                <a:ln>
+                  <a:noFill/>
+                </a:ln>
+                <a:solidFill>
+                  <a:prstClr val="black"/>
+                </a:solidFill>
+                <a:effectLst/>
+                <a:uLnTx/>
+                <a:uFillTx/>
+                <a:latin typeface="Calibri"/>
+                <a:ea typeface="+mn-ea"/>
+                <a:cs typeface="+mn-cs"/>
+              </a:rPr>
+              <a:t>CHANGE THIS TO LHR</a:t>
+            </a:r>
+          </a:p>
+          <a:p>
+            <a:pPr marL="285750" marR="0" lvl="0" indent="-285750" algn="l" defTabSz="914400" rtl="0" eaLnBrk="1" fontAlgn="auto" latinLnBrk="0" hangingPunct="1">
+              <a:lnSpc>
+                <a:spcPct val="100000"/>
+              </a:lnSpc>
+              <a:spcBef>
+                <a:spcPts val="0"/>
+              </a:spcBef>
+              <a:spcAft>
+                <a:spcPts val="0"/>
+              </a:spcAft>
+              <a:buClrTx/>
+              <a:buSzTx/>
+              <a:buFont typeface="Arial" panose="020B0604020202020204" pitchFamily="34" charset="0"/>
+              <a:buChar char="•"/>
+              <a:tabLst/>
+              <a:defRPr/>
+            </a:pPr>
+            <a:endParaRPr lang="en-US" dirty="0">
+              <a:solidFill>
+                <a:prstClr val="black"/>
+              </a:solidFill>
+              <a:latin typeface="Calibri"/>
+            </a:endParaRPr>
+          </a:p>
+          <a:p>
+            <a:pPr marL="285750" marR="0" lvl="0" indent="-285750" algn="l" defTabSz="914400" rtl="0" eaLnBrk="1" fontAlgn="auto" latinLnBrk="0" hangingPunct="1">
+              <a:lnSpc>
+                <a:spcPct val="100000"/>
+              </a:lnSpc>
+              <a:spcBef>
+                <a:spcPts val="0"/>
+              </a:spcBef>
+              <a:spcAft>
+                <a:spcPts val="0"/>
+              </a:spcAft>
+              <a:buClrTx/>
+              <a:buSzTx/>
+              <a:buFont typeface="Arial" panose="020B0604020202020204" pitchFamily="34" charset="0"/>
+              <a:buChar char="•"/>
+              <a:tabLst/>
+              <a:defRPr/>
+            </a:pPr>
+            <a:endParaRPr kumimoji="0" lang="en-US" sz="1800" b="0" i="0" u="none" strike="noStrike" kern="1200" cap="none" spc="0" normalizeH="0" baseline="0" noProof="0" dirty="0">
+              <a:ln>
+                <a:noFill/>
+              </a:ln>
+              <a:solidFill>
+                <a:prstClr val="black"/>
+              </a:solidFill>
+              <a:effectLst/>
+              <a:uLnTx/>
+              <a:uFillTx/>
+              <a:latin typeface="Calibri"/>
+              <a:ea typeface="+mn-ea"/>
+              <a:cs typeface="+mn-cs"/>
+            </a:endParaRPr>
+          </a:p>
           <a:p>
             <a:pPr marL="285750" marR="0" lvl="0" indent="-285750" algn="l" defTabSz="914400" rtl="0" eaLnBrk="1" fontAlgn="auto" latinLnBrk="0" hangingPunct="1">
               <a:lnSpc>
@@ -4456,7 +4550,7 @@
                 <a:ea typeface="+mn-ea"/>
                 <a:cs typeface="+mn-cs"/>
               </a:rPr>
-              <a:t>Steady-state: Volumetric/Areal heating rate: </a:t>
+              <a:t>Steady-state: Volumetric heating rate: </a:t>
             </a:r>
           </a:p>
           <a:p>
@@ -4588,7 +4682,41 @@
                 <a:ea typeface="+mn-ea"/>
                 <a:cs typeface="+mn-cs"/>
               </a:rPr>
-              <a:t>Transient: Volumetric/Areal heating rate</a:t>
+              <a:t>Transient: </a:t>
+            </a:r>
+            <a:r>
+              <a:rPr kumimoji="0" lang="en-US" sz="1800" b="0" i="0" u="none" strike="noStrike" kern="1200" cap="none" spc="0" normalizeH="0" baseline="0" noProof="0" dirty="0" err="1">
+                <a:ln>
+                  <a:noFill/>
+                </a:ln>
+                <a:solidFill>
+                  <a:prstClr val="black"/>
+                </a:solidFill>
+                <a:effectLst/>
+                <a:uLnTx/>
+                <a:uFillTx/>
+                <a:latin typeface="Calibri"/>
+                <a:ea typeface="+mn-ea"/>
+                <a:cs typeface="+mn-cs"/>
+              </a:rPr>
+              <a:t>Volumetricheating</a:t>
+            </a:r>
+            <a:r>
+              <a:rPr kumimoji="0" lang="en-US" sz="1800" b="0" i="0" u="none" strike="noStrike" kern="1200" cap="none" spc="0" normalizeH="0" baseline="0" noProof="0" dirty="0">
+                <a:ln>
+                  <a:noFill/>
+                </a:ln>
+                <a:solidFill>
+                  <a:prstClr val="black"/>
+                </a:solidFill>
+                <a:effectLst/>
+                <a:uLnTx/>
+                <a:uFillTx/>
+                <a:latin typeface="Calibri"/>
+                <a:ea typeface="+mn-ea"/>
+                <a:cs typeface="+mn-cs"/>
+              </a:rPr>
+              <a:t> rate</a:t>
             </a:r>
             <a:endParaRPr lang="en-US" dirty="0">
               <a:solidFill>
@@ -5673,7 +5801,7 @@
         <p:spPr>
           <a:xfrm>
             <a:off x="667872" y="1968501"/>
-            <a:ext cx="7412249" cy="3970318"/>
+            <a:ext cx="7412249" cy="4524315"/>
           </a:xfrm>
           <a:prstGeom prst="rect">
             <a:avLst/>
@@ -5685,6 +5813,67 @@
             <a:spAutoFit/>
           </a:bodyPr>
           <a:lstStyle/>
+          <a:p>
+            <a:pPr marL="285750" marR="0" lvl="0" indent="-285750" algn="l" defTabSz="914400" rtl="0" eaLnBrk="1" fontAlgn="auto" latinLnBrk="0" hangingPunct="1">
+              <a:lnSpc>
+                <a:spcPct val="100000"/>
+              </a:lnSpc>
+              <a:spcBef>
+                <a:spcPts val="0"/>
+              </a:spcBef>
+              <a:spcAft>
+                <a:spcPts val="0"/>
+              </a:spcAft>
+              <a:buClrTx/>
+              <a:buSzTx/>
+              <a:buFont typeface="Arial" panose="020B0604020202020204" pitchFamily="34" charset="0"/>
+              <a:buChar char="•"/>
+              <a:tabLst/>
+              <a:defRPr/>
+            </a:pPr>
+            <a:r>
+              <a:rPr kumimoji="0" lang="en-US" sz="1800" b="0" i="0" u="none" strike="noStrike" kern="1200" cap="none" spc="0" normalizeH="0" baseline="0" noProof="0" dirty="0">
+                <a:ln>
+                  <a:noFill/>
+                </a:ln>
+                <a:solidFill>
+                  <a:prstClr val="black"/>
+                </a:solidFill>
+                <a:effectLst/>
+                <a:uLnTx/>
+                <a:uFillTx/>
+                <a:latin typeface="Calibri"/>
+                <a:ea typeface="+mn-ea"/>
+                <a:cs typeface="+mn-cs"/>
+              </a:rPr>
+              <a:t>CHANGE THIS TO LHR</a:t>
+            </a:r>
+          </a:p>
+          <a:p>
+            <a:pPr marL="285750" marR="0" lvl="0" indent="-285750" algn="l" defTabSz="914400" rtl="0" eaLnBrk="1" fontAlgn="auto" latinLnBrk="0" hangingPunct="1">
+              <a:lnSpc>
+                <a:spcPct val="100000"/>
+              </a:lnSpc>
+              <a:spcBef>
+                <a:spcPts val="0"/>
+              </a:spcBef>
+              <a:spcAft>
+                <a:spcPts val="0"/>
+              </a:spcAft>
+              <a:buClrTx/>
+              <a:buSzTx/>
+              <a:buFont typeface="Arial" panose="020B0604020202020204" pitchFamily="34" charset="0"/>
+              <a:buChar char="•"/>
+              <a:tabLst/>
+              <a:defRPr/>
+            </a:pPr>
+            <a:endParaRPr lang="en-US" dirty="0">
+              <a:solidFill>
+                <a:prstClr val="black"/>
+              </a:solidFill>
+              <a:latin typeface="Calibri"/>
+            </a:endParaRPr>
+          </a:p>
           <a:p>
             <a:pPr marL="285750" marR="0" lvl="0" indent="-285750" algn="l" defTabSz="914400" rtl="0" eaLnBrk="1" fontAlgn="auto" latinLnBrk="0" hangingPunct="1">
               <a:lnSpc>
@@ -5784,41 +5973,7 @@
                 <a:ea typeface="+mn-ea"/>
                 <a:cs typeface="+mn-cs"/>
               </a:rPr>
-              <a:t>Utilize </a:t>
-            </a:r>
-            <a:r>
-              <a:rPr kumimoji="0" lang="en-US" sz="1800" b="0" i="0" u="none" strike="noStrike" kern="1200" cap="none" spc="0" normalizeH="0" baseline="0" noProof="0" dirty="0" err="1">
-                <a:ln>
-                  <a:noFill/>
-                </a:ln>
-                <a:solidFill>
-                  <a:prstClr val="black"/>
-                </a:solidFill>
-                <a:effectLst/>
-                <a:uLnTx/>
-                <a:uFillTx/>
-                <a:latin typeface="Calibri"/>
-                <a:ea typeface="+mn-ea"/>
-                <a:cs typeface="+mn-cs"/>
-              </a:rPr>
-              <a:t>azial</a:t>
-            </a:r>
-            <a:r>
-              <a:rPr kumimoji="0" lang="en-US" sz="1800" b="0" i="0" u="none" strike="noStrike" kern="1200" cap="none" spc="0" normalizeH="0" baseline="0" noProof="0" dirty="0">
-                <a:ln>
-                  <a:noFill/>
-                </a:ln>
-                <a:solidFill>
-                  <a:prstClr val="black"/>
-                </a:solidFill>
-                <a:effectLst/>
-                <a:uLnTx/>
-                <a:uFillTx/>
-                <a:latin typeface="Calibri"/>
-                <a:ea typeface="+mn-ea"/>
-                <a:cs typeface="+mn-cs"/>
-              </a:rPr>
-              <a:t> T</a:t>
+              <a:t>Utilize axial T</a:t>
             </a:r>
             <a:r>
               <a:rPr kumimoji="0" lang="en-US" sz="1800" b="0" i="0" u="none" strike="noStrike" kern="1200" cap="none" spc="0" normalizeH="0" baseline="-25000" noProof="0" dirty="0">

--- a/Nuclear_Fuel_Performance/NE533_Spring2022/MOOSE/MOOSE_project.pptx
+++ b/Nuclear_Fuel_Performance/NE533_Spring2022/MOOSE/MOOSE_project.pptx
@@ -7,7 +7,8 @@
   <p:sldIdLst>
     <p:sldId id="278" r:id="rId2"/>
     <p:sldId id="279" r:id="rId3"/>
-    <p:sldId id="280" r:id="rId4"/>
+    <p:sldId id="281" r:id="rId4"/>
+    <p:sldId id="280" r:id="rId5"/>
   </p:sldIdLst>
   <p:sldSz cx="12192000" cy="6858000"/>
   <p:notesSz cx="6858000" cy="9144000"/>
@@ -302,7 +303,7 @@
             </a:pPr>
             <a:fld id="{D6F3A803-A045-354B-887A-01433CE46FC2}" type="datetime1">
               <a:rPr lang="en-US" smtClean="0"/>
-              <a:t>5/11/21</a:t>
+              <a:t>2/24/22</a:t>
             </a:fld>
             <a:endParaRPr lang="en-US"/>
           </a:p>
@@ -495,7 +496,7 @@
             </a:pPr>
             <a:fld id="{A8B33C1D-C2E2-1049-AA3F-CD6E91052752}" type="datetime1">
               <a:rPr lang="en-US" smtClean="0"/>
-              <a:t>5/11/21</a:t>
+              <a:t>2/24/22</a:t>
             </a:fld>
             <a:endParaRPr lang="en-US"/>
           </a:p>
@@ -697,7 +698,7 @@
             </a:pPr>
             <a:fld id="{2791AD68-B60C-4542-BDDD-2074DE6DE828}" type="datetime1">
               <a:rPr lang="en-US" smtClean="0"/>
-              <a:t>5/11/21</a:t>
+              <a:t>2/24/22</a:t>
             </a:fld>
             <a:endParaRPr lang="en-US"/>
           </a:p>
@@ -896,7 +897,7 @@
             </a:pPr>
             <a:fld id="{C5BD04BF-9DC2-6341-92B2-BD109A2EF3B1}" type="datetime1">
               <a:rPr lang="en-US" smtClean="0"/>
-              <a:t>5/11/21</a:t>
+              <a:t>2/24/22</a:t>
             </a:fld>
             <a:endParaRPr lang="en-US"/>
           </a:p>
@@ -1166,7 +1167,7 @@
             </a:pPr>
             <a:fld id="{FB0FFBC7-3028-644D-986B-D9855CB74B38}" type="datetime1">
               <a:rPr lang="en-US" smtClean="0"/>
-              <a:t>5/11/21</a:t>
+              <a:t>2/24/22</a:t>
             </a:fld>
             <a:endParaRPr lang="en-US"/>
           </a:p>
@@ -1477,7 +1478,7 @@
             </a:pPr>
             <a:fld id="{2C3B8AE4-01F5-CC42-9C62-61BC6528368B}" type="datetime1">
               <a:rPr lang="en-US" smtClean="0"/>
-              <a:t>5/11/21</a:t>
+              <a:t>2/24/22</a:t>
             </a:fld>
             <a:endParaRPr lang="en-US"/>
           </a:p>
@@ -1920,7 +1921,7 @@
             </a:pPr>
             <a:fld id="{77E49314-4A78-2444-9569-44EB70168344}" type="datetime1">
               <a:rPr lang="en-US" smtClean="0"/>
-              <a:t>5/11/21</a:t>
+              <a:t>2/24/22</a:t>
             </a:fld>
             <a:endParaRPr lang="en-US"/>
           </a:p>
@@ -2061,7 +2062,7 @@
             </a:pPr>
             <a:fld id="{5BC22837-4683-B242-B000-BCEE30621787}" type="datetime1">
               <a:rPr lang="en-US" smtClean="0"/>
-              <a:t>5/11/21</a:t>
+              <a:t>2/24/22</a:t>
             </a:fld>
             <a:endParaRPr lang="en-US"/>
           </a:p>
@@ -2180,7 +2181,7 @@
             </a:pPr>
             <a:fld id="{DCDAE926-7EF1-0B40-B57E-417D188A609C}" type="datetime1">
               <a:rPr lang="en-US" smtClean="0"/>
-              <a:t>5/11/21</a:t>
+              <a:t>2/24/22</a:t>
             </a:fld>
             <a:endParaRPr lang="en-US"/>
           </a:p>
@@ -2479,7 +2480,7 @@
             </a:pPr>
             <a:fld id="{518D107B-B9C7-5B41-A168-55258AB95F52}" type="datetime1">
               <a:rPr lang="en-US" smtClean="0"/>
-              <a:t>5/11/21</a:t>
+              <a:t>2/24/22</a:t>
             </a:fld>
             <a:endParaRPr lang="en-US"/>
           </a:p>
@@ -2763,7 +2764,7 @@
             </a:pPr>
             <a:fld id="{3AD92D36-EE82-3142-B011-9831FB5E702F}" type="datetime1">
               <a:rPr lang="en-US" smtClean="0"/>
-              <a:t>5/11/21</a:t>
+              <a:t>2/24/22</a:t>
             </a:fld>
             <a:endParaRPr lang="en-US"/>
           </a:p>
@@ -2904,7 +2905,7 @@
               </a14:hiddenLine>
             </a:ext>
             <a:ext uri="{FAA26D3D-D897-4be2-8F04-BA451C77F1D7}">
-              <ma14:placeholderFlag xmlns="" xmlns:ma14="http://schemas.microsoft.com/office/mac/drawingml/2011/main" val="1"/>
+              <ma14:placeholderFlag xmlns:ma14="http://schemas.microsoft.com/office/mac/drawingml/2011/main" xmlns="" val="1"/>
             </a:ext>
           </a:extLst>
         </p:spPr>
@@ -2972,7 +2973,7 @@
               </a14:hiddenLine>
             </a:ext>
             <a:ext uri="{FAA26D3D-D897-4be2-8F04-BA451C77F1D7}">
-              <ma14:placeholderFlag xmlns="" xmlns:ma14="http://schemas.microsoft.com/office/mac/drawingml/2011/main" val="1"/>
+              <ma14:placeholderFlag xmlns:ma14="http://schemas.microsoft.com/office/mac/drawingml/2011/main" xmlns="" val="1"/>
             </a:ext>
           </a:extLst>
         </p:spPr>
@@ -3068,7 +3069,7 @@
             </a:pPr>
             <a:fld id="{3EE08B4B-7256-494F-A90D-3891BD685F4A}" type="datetime1">
               <a:rPr lang="en-US" smtClean="0"/>
-              <a:t>5/11/21</a:t>
+              <a:t>2/24/22</a:t>
             </a:fld>
             <a:endParaRPr lang="en-US" dirty="0"/>
           </a:p>
@@ -4168,7 +4169,7 @@
         <p:spPr>
           <a:xfrm>
             <a:off x="667872" y="1968501"/>
-            <a:ext cx="5257797" cy="4801314"/>
+            <a:ext cx="5257797" cy="3970318"/>
           </a:xfrm>
           <a:prstGeom prst="rect">
             <a:avLst/>
@@ -4213,7 +4214,7 @@
                 <a:ea typeface="+mn-ea"/>
                 <a:cs typeface="+mn-cs"/>
               </a:rPr>
-              <a:t>CHANGE THIS TO LHR</a:t>
+              <a:t>Fuel pin dimensions listed</a:t>
             </a:r>
           </a:p>
           <a:p>
@@ -4234,12 +4235,125 @@
               <a:tabLst/>
               <a:defRPr/>
             </a:pPr>
-            <a:endParaRPr lang="en-US" dirty="0">
+            <a:r>
+              <a:rPr kumimoji="0" lang="en-US" sz="1800" b="0" i="0" u="none" strike="noStrike" kern="1200" cap="none" spc="0" normalizeH="0" baseline="0" noProof="0" dirty="0">
+                <a:ln>
+                  <a:noFill/>
+                </a:ln>
+                <a:solidFill>
+                  <a:prstClr val="black"/>
+                </a:solidFill>
+                <a:effectLst/>
+                <a:uLnTx/>
+                <a:uFillTx/>
+                <a:latin typeface="Calibri"/>
+                <a:ea typeface="+mn-ea"/>
+                <a:cs typeface="+mn-cs"/>
+              </a:rPr>
+              <a:t>Assume reasonable values for thermal conductivities</a:t>
+            </a:r>
+          </a:p>
+          <a:p>
+            <a:pPr marL="742950" lvl="1" indent="-285750">
+              <a:buFont typeface="Arial" panose="020B0604020202020204" pitchFamily="34" charset="0"/>
+              <a:buChar char="•"/>
+              <a:defRPr/>
+            </a:pPr>
+            <a:r>
+              <a:rPr lang="en-US" dirty="0">
+                <a:solidFill>
+                  <a:prstClr val="black"/>
+                </a:solidFill>
+                <a:latin typeface="Calibri"/>
+              </a:rPr>
+              <a:t>Can assume constant k</a:t>
+            </a:r>
+            <a:endParaRPr kumimoji="0" lang="en-US" b="0" i="0" u="none" strike="noStrike" kern="1200" cap="none" spc="0" normalizeH="0" baseline="0" noProof="0" dirty="0">
+              <a:ln>
+                <a:noFill/>
+              </a:ln>
               <a:solidFill>
                 <a:prstClr val="black"/>
               </a:solidFill>
+              <a:effectLst/>
+              <a:uLnTx/>
+              <a:uFillTx/>
               <a:latin typeface="Calibri"/>
+              <a:ea typeface="+mn-ea"/>
+              <a:cs typeface="+mn-cs"/>
             </a:endParaRPr>
+          </a:p>
+          <a:p>
+            <a:pPr marL="285750" marR="0" lvl="0" indent="-285750" algn="l" defTabSz="914400" rtl="0" eaLnBrk="1" fontAlgn="auto" latinLnBrk="0" hangingPunct="1">
+              <a:lnSpc>
+                <a:spcPct val="100000"/>
+              </a:lnSpc>
+              <a:spcBef>
+                <a:spcPts val="0"/>
+              </a:spcBef>
+              <a:spcAft>
+                <a:spcPts val="0"/>
+              </a:spcAft>
+              <a:buClrTx/>
+              <a:buSzTx/>
+              <a:buFont typeface="Arial" panose="020B0604020202020204" pitchFamily="34" charset="0"/>
+              <a:buChar char="•"/>
+              <a:tabLst/>
+              <a:defRPr/>
+            </a:pPr>
+            <a:r>
+              <a:rPr kumimoji="0" lang="en-US" sz="1800" b="0" i="0" u="none" strike="noStrike" kern="1200" cap="none" spc="0" normalizeH="0" baseline="0" noProof="0" dirty="0">
+                <a:ln>
+                  <a:noFill/>
+                </a:ln>
+                <a:solidFill>
+                  <a:prstClr val="black"/>
+                </a:solidFill>
+                <a:effectLst/>
+                <a:uLnTx/>
+                <a:uFillTx/>
+                <a:latin typeface="Calibri"/>
+                <a:ea typeface="+mn-ea"/>
+                <a:cs typeface="+mn-cs"/>
+              </a:rPr>
+              <a:t>Outer cladding: 500 K</a:t>
+            </a:r>
+          </a:p>
+          <a:p>
+            <a:pPr marL="285750" marR="0" lvl="0" indent="-285750" algn="l" defTabSz="914400" rtl="0" eaLnBrk="1" fontAlgn="auto" latinLnBrk="0" hangingPunct="1">
+              <a:lnSpc>
+                <a:spcPct val="100000"/>
+              </a:lnSpc>
+              <a:spcBef>
+                <a:spcPts val="0"/>
+              </a:spcBef>
+              <a:spcAft>
+                <a:spcPts val="0"/>
+              </a:spcAft>
+              <a:buClrTx/>
+              <a:buSzTx/>
+              <a:buFont typeface="Arial" panose="020B0604020202020204" pitchFamily="34" charset="0"/>
+              <a:buChar char="•"/>
+              <a:tabLst/>
+              <a:defRPr/>
+            </a:pPr>
+            <a:r>
+              <a:rPr kumimoji="0" lang="en-US" sz="1800" b="0" i="0" u="none" strike="noStrike" kern="1200" cap="none" spc="0" normalizeH="0" baseline="0" noProof="0" dirty="0">
+                <a:ln>
+                  <a:noFill/>
+                </a:ln>
+                <a:solidFill>
+                  <a:prstClr val="black"/>
+                </a:solidFill>
+                <a:effectLst/>
+                <a:uLnTx/>
+                <a:uFillTx/>
+                <a:latin typeface="Calibri"/>
+                <a:ea typeface="+mn-ea"/>
+                <a:cs typeface="+mn-cs"/>
+              </a:rPr>
+              <a:t>Mesh: 100x100</a:t>
+            </a:r>
           </a:p>
           <a:p>
             <a:pPr marL="285750" marR="0" lvl="0" indent="-285750" algn="l" defTabSz="914400" rtl="0" eaLnBrk="1" fontAlgn="auto" latinLnBrk="0" hangingPunct="1">
@@ -4307,213 +4421,6 @@
                 <a:ea typeface="+mn-ea"/>
                 <a:cs typeface="+mn-cs"/>
               </a:rPr>
-              <a:t>Fuel pin dimensions listed</a:t>
-            </a:r>
-          </a:p>
-          <a:p>
-            <a:pPr marL="285750" marR="0" lvl="0" indent="-285750" algn="l" defTabSz="914400" rtl="0" eaLnBrk="1" fontAlgn="auto" latinLnBrk="0" hangingPunct="1">
-              <a:lnSpc>
-                <a:spcPct val="100000"/>
-              </a:lnSpc>
-              <a:spcBef>
-                <a:spcPts val="0"/>
-              </a:spcBef>
-              <a:spcAft>
-                <a:spcPts val="0"/>
-              </a:spcAft>
-              <a:buClrTx/>
-              <a:buSzTx/>
-              <a:buFont typeface="Arial" panose="020B0604020202020204" pitchFamily="34" charset="0"/>
-              <a:buChar char="•"/>
-              <a:tabLst/>
-              <a:defRPr/>
-            </a:pPr>
-            <a:r>
-              <a:rPr kumimoji="0" lang="en-US" sz="1800" b="0" i="0" u="none" strike="noStrike" kern="1200" cap="none" spc="0" normalizeH="0" baseline="0" noProof="0" dirty="0">
-                <a:ln>
-                  <a:noFill/>
-                </a:ln>
-                <a:solidFill>
-                  <a:prstClr val="black"/>
-                </a:solidFill>
-                <a:effectLst/>
-                <a:uLnTx/>
-                <a:uFillTx/>
-                <a:latin typeface="Calibri"/>
-                <a:ea typeface="+mn-ea"/>
-                <a:cs typeface="+mn-cs"/>
-              </a:rPr>
-              <a:t>Assume reasonable values for thermal conductivities</a:t>
-            </a:r>
-          </a:p>
-          <a:p>
-            <a:pPr marL="742950" lvl="1" indent="-285750">
-              <a:buFont typeface="Arial" panose="020B0604020202020204" pitchFamily="34" charset="0"/>
-              <a:buChar char="•"/>
-              <a:defRPr/>
-            </a:pPr>
-            <a:r>
-              <a:rPr lang="en-US" dirty="0">
-                <a:solidFill>
-                  <a:prstClr val="black"/>
-                </a:solidFill>
-                <a:latin typeface="Calibri"/>
-              </a:rPr>
-              <a:t>Can assume constant k</a:t>
-            </a:r>
-            <a:endParaRPr kumimoji="0" lang="en-US" b="0" i="0" u="none" strike="noStrike" kern="1200" cap="none" spc="0" normalizeH="0" baseline="0" noProof="0" dirty="0">
-              <a:ln>
-                <a:noFill/>
-              </a:ln>
-              <a:solidFill>
-                <a:prstClr val="black"/>
-              </a:solidFill>
-              <a:effectLst/>
-              <a:uLnTx/>
-              <a:uFillTx/>
-              <a:latin typeface="Calibri"/>
-              <a:ea typeface="+mn-ea"/>
-              <a:cs typeface="+mn-cs"/>
-            </a:endParaRPr>
-          </a:p>
-          <a:p>
-            <a:pPr marL="285750" marR="0" lvl="0" indent="-285750" algn="l" defTabSz="914400" rtl="0" eaLnBrk="1" fontAlgn="auto" latinLnBrk="0" hangingPunct="1">
-              <a:lnSpc>
-                <a:spcPct val="100000"/>
-              </a:lnSpc>
-              <a:spcBef>
-                <a:spcPts val="0"/>
-              </a:spcBef>
-              <a:spcAft>
-                <a:spcPts val="0"/>
-              </a:spcAft>
-              <a:buClrTx/>
-              <a:buSzTx/>
-              <a:buFont typeface="Arial" panose="020B0604020202020204" pitchFamily="34" charset="0"/>
-              <a:buChar char="•"/>
-              <a:tabLst/>
-              <a:defRPr/>
-            </a:pPr>
-            <a:r>
-              <a:rPr kumimoji="0" lang="en-US" sz="1800" b="0" i="0" u="none" strike="noStrike" kern="1200" cap="none" spc="0" normalizeH="0" baseline="0" noProof="0" dirty="0">
-                <a:ln>
-                  <a:noFill/>
-                </a:ln>
-                <a:solidFill>
-                  <a:prstClr val="black"/>
-                </a:solidFill>
-                <a:effectLst/>
-                <a:uLnTx/>
-                <a:uFillTx/>
-                <a:latin typeface="Calibri"/>
-                <a:ea typeface="+mn-ea"/>
-                <a:cs typeface="+mn-cs"/>
-              </a:rPr>
-              <a:t>Outer cladding: 500 K</a:t>
-            </a:r>
-          </a:p>
-          <a:p>
-            <a:pPr marL="285750" marR="0" lvl="0" indent="-285750" algn="l" defTabSz="914400" rtl="0" eaLnBrk="1" fontAlgn="auto" latinLnBrk="0" hangingPunct="1">
-              <a:lnSpc>
-                <a:spcPct val="100000"/>
-              </a:lnSpc>
-              <a:spcBef>
-                <a:spcPts val="0"/>
-              </a:spcBef>
-              <a:spcAft>
-                <a:spcPts val="0"/>
-              </a:spcAft>
-              <a:buClrTx/>
-              <a:buSzTx/>
-              <a:buFont typeface="Arial" panose="020B0604020202020204" pitchFamily="34" charset="0"/>
-              <a:buChar char="•"/>
-              <a:tabLst/>
-              <a:defRPr/>
-            </a:pPr>
-            <a:r>
-              <a:rPr kumimoji="0" lang="en-US" sz="1800" b="0" i="0" u="none" strike="noStrike" kern="1200" cap="none" spc="0" normalizeH="0" baseline="0" noProof="0" dirty="0">
-                <a:ln>
-                  <a:noFill/>
-                </a:ln>
-                <a:solidFill>
-                  <a:prstClr val="black"/>
-                </a:solidFill>
-                <a:effectLst/>
-                <a:uLnTx/>
-                <a:uFillTx/>
-                <a:latin typeface="Calibri"/>
-                <a:ea typeface="+mn-ea"/>
-                <a:cs typeface="+mn-cs"/>
-              </a:rPr>
-              <a:t>Mesh: 100x100</a:t>
-            </a:r>
-          </a:p>
-          <a:p>
-            <a:pPr marL="285750" marR="0" lvl="0" indent="-285750" algn="l" defTabSz="914400" rtl="0" eaLnBrk="1" fontAlgn="auto" latinLnBrk="0" hangingPunct="1">
-              <a:lnSpc>
-                <a:spcPct val="100000"/>
-              </a:lnSpc>
-              <a:spcBef>
-                <a:spcPts val="0"/>
-              </a:spcBef>
-              <a:spcAft>
-                <a:spcPts val="0"/>
-              </a:spcAft>
-              <a:buClrTx/>
-              <a:buSzTx/>
-              <a:buFont typeface="Arial" panose="020B0604020202020204" pitchFamily="34" charset="0"/>
-              <a:buChar char="•"/>
-              <a:tabLst/>
-              <a:defRPr/>
-            </a:pPr>
-            <a:endParaRPr kumimoji="0" lang="en-US" sz="1800" b="0" i="0" u="none" strike="noStrike" kern="1200" cap="none" spc="0" normalizeH="0" baseline="0" noProof="0" dirty="0">
-              <a:ln>
-                <a:noFill/>
-              </a:ln>
-              <a:solidFill>
-                <a:prstClr val="black"/>
-              </a:solidFill>
-              <a:effectLst/>
-              <a:uLnTx/>
-              <a:uFillTx/>
-              <a:latin typeface="Calibri"/>
-              <a:ea typeface="+mn-ea"/>
-              <a:cs typeface="+mn-cs"/>
-            </a:endParaRPr>
-          </a:p>
-          <a:p>
-            <a:pPr marL="285750" marR="0" lvl="0" indent="-285750" algn="l" defTabSz="914400" rtl="0" eaLnBrk="1" fontAlgn="auto" latinLnBrk="0" hangingPunct="1">
-              <a:lnSpc>
-                <a:spcPct val="100000"/>
-              </a:lnSpc>
-              <a:spcBef>
-                <a:spcPts val="0"/>
-              </a:spcBef>
-              <a:spcAft>
-                <a:spcPts val="0"/>
-              </a:spcAft>
-              <a:buClrTx/>
-              <a:buSzTx/>
-              <a:buFont typeface="Arial" panose="020B0604020202020204" pitchFamily="34" charset="0"/>
-              <a:buChar char="•"/>
-              <a:tabLst/>
-              <a:defRPr/>
-            </a:pPr>
-            <a:r>
-              <a:rPr kumimoji="0" lang="en-US" sz="1800" b="0" i="0" u="none" strike="noStrike" kern="1200" cap="none" spc="0" normalizeH="0" baseline="0" noProof="0" dirty="0">
-                <a:ln>
-                  <a:noFill/>
-                </a:ln>
-                <a:solidFill>
-                  <a:prstClr val="black"/>
-                </a:solidFill>
-                <a:effectLst/>
-                <a:uLnTx/>
-                <a:uFillTx/>
-                <a:latin typeface="Calibri"/>
-                <a:ea typeface="+mn-ea"/>
-                <a:cs typeface="+mn-cs"/>
-              </a:rPr>
               <a:t>Solve temperature profile for: </a:t>
             </a:r>
           </a:p>
@@ -4554,19 +4461,7 @@
             </a:r>
           </a:p>
           <a:p>
-            <a:pPr marR="0" lvl="1" algn="l" defTabSz="914400" rtl="0" eaLnBrk="1" fontAlgn="auto" latinLnBrk="0" hangingPunct="1">
-              <a:lnSpc>
-                <a:spcPct val="100000"/>
-              </a:lnSpc>
-              <a:spcBef>
-                <a:spcPts val="0"/>
-              </a:spcBef>
-              <a:spcAft>
-                <a:spcPts val="0"/>
-              </a:spcAft>
-              <a:buClrTx/>
-              <a:buSzTx/>
-              <a:tabLst/>
+            <a:pPr lvl="1">
               <a:defRPr/>
             </a:pPr>
             <a:r>
@@ -4577,6 +4472,14 @@
                 <a:latin typeface="Calibri"/>
               </a:rPr>
               <a:t>	</a:t>
+            </a:r>
+            <a:r>
+              <a:rPr lang="en-US" dirty="0">
+                <a:solidFill>
+                  <a:prstClr val="black"/>
+                </a:solidFill>
+              </a:rPr>
+              <a:t> LHR </a:t>
             </a:r>
             <a:r>
               <a:rPr kumimoji="0" lang="en-US" sz="1800" b="0" i="0" u="none" strike="noStrike" kern="1200" cap="none" spc="0" normalizeH="0" baseline="0" noProof="0" dirty="0">
@@ -4593,7 +4496,7 @@
                 <a:ea typeface="+mn-ea"/>
                 <a:cs typeface="+mn-cs"/>
               </a:rPr>
-              <a:t>Q = 250 W/cm</a:t>
+              <a:t>= 150 W/cm</a:t>
             </a:r>
             <a:r>
               <a:rPr kumimoji="0" lang="en-US" sz="1800" b="0" i="0" u="none" strike="noStrike" kern="1200" cap="none" spc="0" normalizeH="0" baseline="30000" noProof="0" dirty="0">
@@ -4730,6 +4633,14 @@
               <a:defRPr/>
             </a:pPr>
             <a:r>
+              <a:rPr lang="en-US" dirty="0">
+                <a:solidFill>
+                  <a:prstClr val="black"/>
+                </a:solidFill>
+              </a:rPr>
+              <a:t>LHR</a:t>
+            </a:r>
+            <a:r>
               <a:rPr kumimoji="0" lang="en-US" b="0" i="0" u="none" strike="noStrike" kern="1200" cap="none" spc="0" normalizeH="0" baseline="0" noProof="0" dirty="0">
                 <a:ln>
                   <a:noFill/>
@@ -4744,7 +4655,7 @@
                 <a:ea typeface="+mn-ea"/>
                 <a:cs typeface="+mn-cs"/>
               </a:rPr>
-              <a:t>Q = 150*(1-EXP(-0.01*time))+250 for up to t=200</a:t>
+              <a:t> = 150*(1-EXP(-0.01*time))+150 for up to t=200</a:t>
             </a:r>
             <a:endParaRPr kumimoji="0" lang="en-US" sz="1800" b="0" i="0" u="none" strike="noStrike" kern="1200" cap="none" spc="0" normalizeH="0" baseline="0" noProof="0" dirty="0">
               <a:ln>
@@ -5801,7 +5712,7 @@
         <p:spPr>
           <a:xfrm>
             <a:off x="667872" y="1968501"/>
-            <a:ext cx="7412249" cy="4524315"/>
+            <a:ext cx="7412249" cy="3970318"/>
           </a:xfrm>
           <a:prstGeom prst="rect">
             <a:avLst/>
@@ -5813,67 +5724,6 @@
             <a:spAutoFit/>
           </a:bodyPr>
           <a:lstStyle/>
-          <a:p>
-            <a:pPr marL="285750" marR="0" lvl="0" indent="-285750" algn="l" defTabSz="914400" rtl="0" eaLnBrk="1" fontAlgn="auto" latinLnBrk="0" hangingPunct="1">
-              <a:lnSpc>
-                <a:spcPct val="100000"/>
-              </a:lnSpc>
-              <a:spcBef>
-                <a:spcPts val="0"/>
-              </a:spcBef>
-              <a:spcAft>
-                <a:spcPts val="0"/>
-              </a:spcAft>
-              <a:buClrTx/>
-              <a:buSzTx/>
-              <a:buFont typeface="Arial" panose="020B0604020202020204" pitchFamily="34" charset="0"/>
-              <a:buChar char="•"/>
-              <a:tabLst/>
-              <a:defRPr/>
-            </a:pPr>
-            <a:r>
-              <a:rPr kumimoji="0" lang="en-US" sz="1800" b="0" i="0" u="none" strike="noStrike" kern="1200" cap="none" spc="0" normalizeH="0" baseline="0" noProof="0" dirty="0">
-                <a:ln>
-                  <a:noFill/>
-                </a:ln>
-                <a:solidFill>
-                  <a:prstClr val="black"/>
-                </a:solidFill>
-                <a:effectLst/>
-                <a:uLnTx/>
-                <a:uFillTx/>
-                <a:latin typeface="Calibri"/>
-                <a:ea typeface="+mn-ea"/>
-                <a:cs typeface="+mn-cs"/>
-              </a:rPr>
-              <a:t>CHANGE THIS TO LHR</a:t>
-            </a:r>
-          </a:p>
-          <a:p>
-            <a:pPr marL="285750" marR="0" lvl="0" indent="-285750" algn="l" defTabSz="914400" rtl="0" eaLnBrk="1" fontAlgn="auto" latinLnBrk="0" hangingPunct="1">
-              <a:lnSpc>
-                <a:spcPct val="100000"/>
-              </a:lnSpc>
-              <a:spcBef>
-                <a:spcPts val="0"/>
-              </a:spcBef>
-              <a:spcAft>
-                <a:spcPts val="0"/>
-              </a:spcAft>
-              <a:buClrTx/>
-              <a:buSzTx/>
-              <a:buFont typeface="Arial" panose="020B0604020202020204" pitchFamily="34" charset="0"/>
-              <a:buChar char="•"/>
-              <a:tabLst/>
-              <a:defRPr/>
-            </a:pPr>
-            <a:endParaRPr lang="en-US" dirty="0">
-              <a:solidFill>
-                <a:prstClr val="black"/>
-              </a:solidFill>
-              <a:latin typeface="Calibri"/>
-            </a:endParaRPr>
-          </a:p>
           <a:p>
             <a:pPr marL="285750" marR="0" lvl="0" indent="-285750" algn="l" defTabSz="914400" rtl="0" eaLnBrk="1" fontAlgn="auto" latinLnBrk="0" hangingPunct="1">
               <a:lnSpc>
@@ -6833,6 +6683,1572 @@
           <p:cNvPr id="2" name="Title 1">
             <a:extLst>
               <a:ext uri="{FF2B5EF4-FFF2-40B4-BE49-F238E27FC236}">
+                <a16:creationId xmlns:a16="http://schemas.microsoft.com/office/drawing/2014/main" id="{E6A26517-7A8C-6D44-8A80-103F9AD20C90}"/>
+              </a:ext>
+            </a:extLst>
+          </p:cNvPr>
+          <p:cNvSpPr>
+            <a:spLocks noGrp="1"/>
+          </p:cNvSpPr>
+          <p:nvPr>
+            <p:ph type="title"/>
+          </p:nvPr>
+        </p:nvSpPr>
+        <p:spPr/>
+        <p:txBody>
+          <a:bodyPr/>
+          <a:lstStyle/>
+          <a:p>
+            <a:r>
+              <a:rPr lang="en-US" dirty="0"/>
+              <a:t>2-D MOOSE Project</a:t>
+            </a:r>
+          </a:p>
+        </p:txBody>
+      </p:sp>
+      <p:sp>
+        <p:nvSpPr>
+          <p:cNvPr id="4" name="Slide Number Placeholder 3">
+            <a:extLst>
+              <a:ext uri="{FF2B5EF4-FFF2-40B4-BE49-F238E27FC236}">
+                <a16:creationId xmlns:a16="http://schemas.microsoft.com/office/drawing/2014/main" id="{8AF4B4B8-A41F-4142-861A-4CEFCF7BBA69}"/>
+              </a:ext>
+            </a:extLst>
+          </p:cNvPr>
+          <p:cNvSpPr>
+            <a:spLocks noGrp="1"/>
+          </p:cNvSpPr>
+          <p:nvPr>
+            <p:ph type="sldNum" sz="quarter" idx="12"/>
+          </p:nvPr>
+        </p:nvSpPr>
+        <p:spPr/>
+        <p:txBody>
+          <a:bodyPr/>
+          <a:lstStyle/>
+          <a:p>
+            <a:pPr marL="0" marR="0" lvl="0" indent="0" algn="r" defTabSz="914400" rtl="0" eaLnBrk="1" fontAlgn="auto" latinLnBrk="0" hangingPunct="1">
+              <a:lnSpc>
+                <a:spcPct val="100000"/>
+              </a:lnSpc>
+              <a:spcBef>
+                <a:spcPts val="0"/>
+              </a:spcBef>
+              <a:spcAft>
+                <a:spcPts val="0"/>
+              </a:spcAft>
+              <a:buClrTx/>
+              <a:buSzTx/>
+              <a:buFontTx/>
+              <a:buNone/>
+              <a:tabLst/>
+              <a:defRPr/>
+            </a:pPr>
+            <a:fld id="{3FF2C605-4958-CF43-AA48-80339EFDB0AF}" type="slidenum">
+              <a:rPr kumimoji="0" lang="en-US" sz="1200" b="0" i="0" u="none" strike="noStrike" kern="1200" cap="none" spc="0" normalizeH="0" baseline="0" noProof="0" smtClean="0">
+                <a:ln>
+                  <a:noFill/>
+                </a:ln>
+                <a:solidFill>
+                  <a:prstClr val="black">
+                    <a:tint val="75000"/>
+                  </a:prstClr>
+                </a:solidFill>
+                <a:effectLst/>
+                <a:uLnTx/>
+                <a:uFillTx/>
+                <a:latin typeface="Calibri"/>
+                <a:ea typeface="+mn-ea"/>
+                <a:cs typeface="+mn-cs"/>
+              </a:rPr>
+              <a:pPr marL="0" marR="0" lvl="0" indent="0" algn="r" defTabSz="914400" rtl="0" eaLnBrk="1" fontAlgn="auto" latinLnBrk="0" hangingPunct="1">
+                <a:lnSpc>
+                  <a:spcPct val="100000"/>
+                </a:lnSpc>
+                <a:spcBef>
+                  <a:spcPts val="0"/>
+                </a:spcBef>
+                <a:spcAft>
+                  <a:spcPts val="0"/>
+                </a:spcAft>
+                <a:buClrTx/>
+                <a:buSzTx/>
+                <a:buFontTx/>
+                <a:buNone/>
+                <a:tabLst/>
+                <a:defRPr/>
+              </a:pPr>
+              <a:t>3</a:t>
+            </a:fld>
+            <a:endParaRPr kumimoji="0" lang="en-US" sz="1200" b="0" i="0" u="none" strike="noStrike" kern="1200" cap="none" spc="0" normalizeH="0" baseline="0" noProof="0">
+              <a:ln>
+                <a:noFill/>
+              </a:ln>
+              <a:solidFill>
+                <a:prstClr val="black">
+                  <a:tint val="75000"/>
+                </a:prstClr>
+              </a:solidFill>
+              <a:effectLst/>
+              <a:uLnTx/>
+              <a:uFillTx/>
+              <a:latin typeface="Calibri"/>
+              <a:ea typeface="+mn-ea"/>
+              <a:cs typeface="+mn-cs"/>
+            </a:endParaRPr>
+          </a:p>
+        </p:txBody>
+      </p:sp>
+      <p:grpSp>
+        <p:nvGrpSpPr>
+          <p:cNvPr id="3" name="Group 2">
+            <a:extLst>
+              <a:ext uri="{FF2B5EF4-FFF2-40B4-BE49-F238E27FC236}">
+                <a16:creationId xmlns:a16="http://schemas.microsoft.com/office/drawing/2014/main" id="{DD68B926-310D-134B-9DB8-1679F014C89C}"/>
+              </a:ext>
+            </a:extLst>
+          </p:cNvPr>
+          <p:cNvGrpSpPr/>
+          <p:nvPr/>
+        </p:nvGrpSpPr>
+        <p:grpSpPr>
+          <a:xfrm>
+            <a:off x="9117106" y="900114"/>
+            <a:ext cx="2008094" cy="5729286"/>
+            <a:chOff x="6651811" y="2122956"/>
+            <a:chExt cx="4473388" cy="4078940"/>
+          </a:xfrm>
+        </p:grpSpPr>
+        <p:sp>
+          <p:nvSpPr>
+            <p:cNvPr id="5" name="Rectangle 4">
+              <a:extLst>
+                <a:ext uri="{FF2B5EF4-FFF2-40B4-BE49-F238E27FC236}">
+                  <a16:creationId xmlns:a16="http://schemas.microsoft.com/office/drawing/2014/main" id="{6A14A53C-B601-344D-BB6C-C144C19C902A}"/>
+                </a:ext>
+              </a:extLst>
+            </p:cNvPr>
+            <p:cNvSpPr/>
+            <p:nvPr/>
+          </p:nvSpPr>
+          <p:spPr>
+            <a:xfrm>
+              <a:off x="6651811" y="2122956"/>
+              <a:ext cx="2877672" cy="4078940"/>
+            </a:xfrm>
+            <a:prstGeom prst="rect">
+              <a:avLst/>
+            </a:prstGeom>
+            <a:solidFill>
+              <a:schemeClr val="accent1"/>
+            </a:solidFill>
+          </p:spPr>
+          <p:style>
+            <a:lnRef idx="1">
+              <a:schemeClr val="accent1"/>
+            </a:lnRef>
+            <a:fillRef idx="3">
+              <a:schemeClr val="accent1"/>
+            </a:fillRef>
+            <a:effectRef idx="2">
+              <a:schemeClr val="accent1"/>
+            </a:effectRef>
+            <a:fontRef idx="minor">
+              <a:schemeClr val="lt1"/>
+            </a:fontRef>
+          </p:style>
+          <p:txBody>
+            <a:bodyPr rtlCol="0" anchor="ctr"/>
+            <a:lstStyle/>
+            <a:p>
+              <a:pPr marL="0" marR="0" lvl="0" indent="0" algn="ctr" defTabSz="914400" rtl="0" eaLnBrk="1" fontAlgn="auto" latinLnBrk="0" hangingPunct="1">
+                <a:lnSpc>
+                  <a:spcPct val="100000"/>
+                </a:lnSpc>
+                <a:spcBef>
+                  <a:spcPts val="0"/>
+                </a:spcBef>
+                <a:spcAft>
+                  <a:spcPts val="0"/>
+                </a:spcAft>
+                <a:buClrTx/>
+                <a:buSzTx/>
+                <a:buFontTx/>
+                <a:buNone/>
+                <a:tabLst/>
+                <a:defRPr/>
+              </a:pPr>
+              <a:endParaRPr kumimoji="0" lang="en-US" sz="1800" b="0" i="0" u="none" strike="noStrike" kern="1200" cap="none" spc="0" normalizeH="0" baseline="0" noProof="0">
+                <a:ln>
+                  <a:noFill/>
+                </a:ln>
+                <a:solidFill>
+                  <a:prstClr val="white"/>
+                </a:solidFill>
+                <a:effectLst/>
+                <a:uLnTx/>
+                <a:uFillTx/>
+                <a:latin typeface="Calibri"/>
+                <a:ea typeface="+mn-ea"/>
+                <a:cs typeface="+mn-cs"/>
+              </a:endParaRPr>
+            </a:p>
+          </p:txBody>
+        </p:sp>
+        <p:sp>
+          <p:nvSpPr>
+            <p:cNvPr id="6" name="Rectangle 5">
+              <a:extLst>
+                <a:ext uri="{FF2B5EF4-FFF2-40B4-BE49-F238E27FC236}">
+                  <a16:creationId xmlns:a16="http://schemas.microsoft.com/office/drawing/2014/main" id="{B24263C4-2011-2F4C-9640-AC5B4D2FFF98}"/>
+                </a:ext>
+              </a:extLst>
+            </p:cNvPr>
+            <p:cNvSpPr/>
+            <p:nvPr/>
+          </p:nvSpPr>
+          <p:spPr>
+            <a:xfrm>
+              <a:off x="9529483" y="2122956"/>
+              <a:ext cx="797858" cy="4078940"/>
+            </a:xfrm>
+            <a:prstGeom prst="rect">
+              <a:avLst/>
+            </a:prstGeom>
+            <a:solidFill>
+              <a:srgbClr val="FFC000"/>
+            </a:solidFill>
+          </p:spPr>
+          <p:style>
+            <a:lnRef idx="1">
+              <a:schemeClr val="accent1"/>
+            </a:lnRef>
+            <a:fillRef idx="3">
+              <a:schemeClr val="accent1"/>
+            </a:fillRef>
+            <a:effectRef idx="2">
+              <a:schemeClr val="accent1"/>
+            </a:effectRef>
+            <a:fontRef idx="minor">
+              <a:schemeClr val="lt1"/>
+            </a:fontRef>
+          </p:style>
+          <p:txBody>
+            <a:bodyPr rtlCol="0" anchor="ctr"/>
+            <a:lstStyle/>
+            <a:p>
+              <a:pPr marL="0" marR="0" lvl="0" indent="0" algn="ctr" defTabSz="914400" rtl="0" eaLnBrk="1" fontAlgn="auto" latinLnBrk="0" hangingPunct="1">
+                <a:lnSpc>
+                  <a:spcPct val="100000"/>
+                </a:lnSpc>
+                <a:spcBef>
+                  <a:spcPts val="0"/>
+                </a:spcBef>
+                <a:spcAft>
+                  <a:spcPts val="0"/>
+                </a:spcAft>
+                <a:buClrTx/>
+                <a:buSzTx/>
+                <a:buFontTx/>
+                <a:buNone/>
+                <a:tabLst/>
+                <a:defRPr/>
+              </a:pPr>
+              <a:endParaRPr kumimoji="0" lang="en-US" sz="1800" b="0" i="0" u="none" strike="noStrike" kern="1200" cap="none" spc="0" normalizeH="0" baseline="0" noProof="0">
+                <a:ln>
+                  <a:noFill/>
+                </a:ln>
+                <a:solidFill>
+                  <a:prstClr val="white"/>
+                </a:solidFill>
+                <a:effectLst/>
+                <a:uLnTx/>
+                <a:uFillTx/>
+                <a:latin typeface="Calibri"/>
+                <a:ea typeface="+mn-ea"/>
+                <a:cs typeface="+mn-cs"/>
+              </a:endParaRPr>
+            </a:p>
+          </p:txBody>
+        </p:sp>
+        <p:sp>
+          <p:nvSpPr>
+            <p:cNvPr id="7" name="Rectangle 6">
+              <a:extLst>
+                <a:ext uri="{FF2B5EF4-FFF2-40B4-BE49-F238E27FC236}">
+                  <a16:creationId xmlns:a16="http://schemas.microsoft.com/office/drawing/2014/main" id="{6E1977BC-41AE-5748-982F-B0B0A7CF4573}"/>
+                </a:ext>
+              </a:extLst>
+            </p:cNvPr>
+            <p:cNvSpPr/>
+            <p:nvPr/>
+          </p:nvSpPr>
+          <p:spPr>
+            <a:xfrm>
+              <a:off x="10327341" y="2122956"/>
+              <a:ext cx="797858" cy="4078940"/>
+            </a:xfrm>
+            <a:prstGeom prst="rect">
+              <a:avLst/>
+            </a:prstGeom>
+            <a:solidFill>
+              <a:srgbClr val="92D050"/>
+            </a:solidFill>
+          </p:spPr>
+          <p:style>
+            <a:lnRef idx="1">
+              <a:schemeClr val="accent1"/>
+            </a:lnRef>
+            <a:fillRef idx="3">
+              <a:schemeClr val="accent1"/>
+            </a:fillRef>
+            <a:effectRef idx="2">
+              <a:schemeClr val="accent1"/>
+            </a:effectRef>
+            <a:fontRef idx="minor">
+              <a:schemeClr val="lt1"/>
+            </a:fontRef>
+          </p:style>
+          <p:txBody>
+            <a:bodyPr rtlCol="0" anchor="ctr"/>
+            <a:lstStyle/>
+            <a:p>
+              <a:pPr marL="0" marR="0" lvl="0" indent="0" algn="ctr" defTabSz="914400" rtl="0" eaLnBrk="1" fontAlgn="auto" latinLnBrk="0" hangingPunct="1">
+                <a:lnSpc>
+                  <a:spcPct val="100000"/>
+                </a:lnSpc>
+                <a:spcBef>
+                  <a:spcPts val="0"/>
+                </a:spcBef>
+                <a:spcAft>
+                  <a:spcPts val="0"/>
+                </a:spcAft>
+                <a:buClrTx/>
+                <a:buSzTx/>
+                <a:buFontTx/>
+                <a:buNone/>
+                <a:tabLst/>
+                <a:defRPr/>
+              </a:pPr>
+              <a:endParaRPr kumimoji="0" lang="en-US" sz="1800" b="0" i="0" u="none" strike="noStrike" kern="1200" cap="none" spc="0" normalizeH="0" baseline="0" noProof="0">
+                <a:ln>
+                  <a:noFill/>
+                </a:ln>
+                <a:solidFill>
+                  <a:prstClr val="white"/>
+                </a:solidFill>
+                <a:effectLst/>
+                <a:uLnTx/>
+                <a:uFillTx/>
+                <a:latin typeface="Calibri"/>
+                <a:ea typeface="+mn-ea"/>
+                <a:cs typeface="+mn-cs"/>
+              </a:endParaRPr>
+            </a:p>
+          </p:txBody>
+        </p:sp>
+      </p:grpSp>
+      <p:cxnSp>
+        <p:nvCxnSpPr>
+          <p:cNvPr id="9" name="Straight Arrow Connector 8">
+            <a:extLst>
+              <a:ext uri="{FF2B5EF4-FFF2-40B4-BE49-F238E27FC236}">
+                <a16:creationId xmlns:a16="http://schemas.microsoft.com/office/drawing/2014/main" id="{B4CE7341-0281-C44A-9030-313AEB440CB7}"/>
+              </a:ext>
+            </a:extLst>
+          </p:cNvPr>
+          <p:cNvCxnSpPr>
+            <a:cxnSpLocks/>
+          </p:cNvCxnSpPr>
+          <p:nvPr/>
+        </p:nvCxnSpPr>
+        <p:spPr>
+          <a:xfrm>
+            <a:off x="9085730" y="775550"/>
+            <a:ext cx="1323157" cy="0"/>
+          </a:xfrm>
+          <a:prstGeom prst="straightConnector1">
+            <a:avLst/>
+          </a:prstGeom>
+          <a:ln>
+            <a:headEnd type="triangle"/>
+            <a:tailEnd type="triangle"/>
+          </a:ln>
+        </p:spPr>
+        <p:style>
+          <a:lnRef idx="2">
+            <a:schemeClr val="accent1"/>
+          </a:lnRef>
+          <a:fillRef idx="0">
+            <a:schemeClr val="accent1"/>
+          </a:fillRef>
+          <a:effectRef idx="1">
+            <a:schemeClr val="accent1"/>
+          </a:effectRef>
+          <a:fontRef idx="minor">
+            <a:schemeClr val="tx1"/>
+          </a:fontRef>
+        </p:style>
+      </p:cxnSp>
+      <p:cxnSp>
+        <p:nvCxnSpPr>
+          <p:cNvPr id="11" name="Straight Arrow Connector 10">
+            <a:extLst>
+              <a:ext uri="{FF2B5EF4-FFF2-40B4-BE49-F238E27FC236}">
+                <a16:creationId xmlns:a16="http://schemas.microsoft.com/office/drawing/2014/main" id="{591A5C7E-91BA-4440-B271-E3AF08120135}"/>
+              </a:ext>
+            </a:extLst>
+          </p:cNvPr>
+          <p:cNvCxnSpPr>
+            <a:cxnSpLocks/>
+          </p:cNvCxnSpPr>
+          <p:nvPr/>
+        </p:nvCxnSpPr>
+        <p:spPr>
+          <a:xfrm>
+            <a:off x="10408887" y="787825"/>
+            <a:ext cx="346980" cy="0"/>
+          </a:xfrm>
+          <a:prstGeom prst="straightConnector1">
+            <a:avLst/>
+          </a:prstGeom>
+          <a:ln>
+            <a:headEnd type="triangle"/>
+            <a:tailEnd type="triangle"/>
+          </a:ln>
+        </p:spPr>
+        <p:style>
+          <a:lnRef idx="2">
+            <a:schemeClr val="accent1"/>
+          </a:lnRef>
+          <a:fillRef idx="0">
+            <a:schemeClr val="accent1"/>
+          </a:fillRef>
+          <a:effectRef idx="1">
+            <a:schemeClr val="accent1"/>
+          </a:effectRef>
+          <a:fontRef idx="minor">
+            <a:schemeClr val="tx1"/>
+          </a:fontRef>
+        </p:style>
+      </p:cxnSp>
+      <p:cxnSp>
+        <p:nvCxnSpPr>
+          <p:cNvPr id="13" name="Straight Arrow Connector 12">
+            <a:extLst>
+              <a:ext uri="{FF2B5EF4-FFF2-40B4-BE49-F238E27FC236}">
+                <a16:creationId xmlns:a16="http://schemas.microsoft.com/office/drawing/2014/main" id="{E7AD19DE-FBC8-8A45-B373-70FA74B6224B}"/>
+              </a:ext>
+            </a:extLst>
+          </p:cNvPr>
+          <p:cNvCxnSpPr>
+            <a:cxnSpLocks/>
+          </p:cNvCxnSpPr>
+          <p:nvPr/>
+        </p:nvCxnSpPr>
+        <p:spPr>
+          <a:xfrm>
+            <a:off x="10784542" y="787825"/>
+            <a:ext cx="355031" cy="0"/>
+          </a:xfrm>
+          <a:prstGeom prst="straightConnector1">
+            <a:avLst/>
+          </a:prstGeom>
+          <a:ln>
+            <a:headEnd type="triangle"/>
+            <a:tailEnd type="triangle"/>
+          </a:ln>
+        </p:spPr>
+        <p:style>
+          <a:lnRef idx="2">
+            <a:schemeClr val="accent1"/>
+          </a:lnRef>
+          <a:fillRef idx="0">
+            <a:schemeClr val="accent1"/>
+          </a:fillRef>
+          <a:effectRef idx="1">
+            <a:schemeClr val="accent1"/>
+          </a:effectRef>
+          <a:fontRef idx="minor">
+            <a:schemeClr val="tx1"/>
+          </a:fontRef>
+        </p:style>
+      </p:cxnSp>
+      <p:cxnSp>
+        <p:nvCxnSpPr>
+          <p:cNvPr id="14" name="Straight Arrow Connector 13">
+            <a:extLst>
+              <a:ext uri="{FF2B5EF4-FFF2-40B4-BE49-F238E27FC236}">
+                <a16:creationId xmlns:a16="http://schemas.microsoft.com/office/drawing/2014/main" id="{B8F40A3F-E5AC-AA42-BFC3-19A6A409A2EB}"/>
+              </a:ext>
+            </a:extLst>
+          </p:cNvPr>
+          <p:cNvCxnSpPr>
+            <a:cxnSpLocks/>
+          </p:cNvCxnSpPr>
+          <p:nvPr/>
+        </p:nvCxnSpPr>
+        <p:spPr>
+          <a:xfrm flipV="1">
+            <a:off x="8951500" y="900114"/>
+            <a:ext cx="0" cy="5729286"/>
+          </a:xfrm>
+          <a:prstGeom prst="straightConnector1">
+            <a:avLst/>
+          </a:prstGeom>
+          <a:ln>
+            <a:headEnd type="triangle"/>
+            <a:tailEnd type="triangle"/>
+          </a:ln>
+        </p:spPr>
+        <p:style>
+          <a:lnRef idx="2">
+            <a:schemeClr val="accent1"/>
+          </a:lnRef>
+          <a:fillRef idx="0">
+            <a:schemeClr val="accent1"/>
+          </a:fillRef>
+          <a:effectRef idx="1">
+            <a:schemeClr val="accent1"/>
+          </a:effectRef>
+          <a:fontRef idx="minor">
+            <a:schemeClr val="tx1"/>
+          </a:fontRef>
+        </p:style>
+      </p:cxnSp>
+      <p:sp>
+        <p:nvSpPr>
+          <p:cNvPr id="16" name="TextBox 15">
+            <a:extLst>
+              <a:ext uri="{FF2B5EF4-FFF2-40B4-BE49-F238E27FC236}">
+                <a16:creationId xmlns:a16="http://schemas.microsoft.com/office/drawing/2014/main" id="{7FC4C34D-9F6B-3A44-A4E8-FDD2910214C5}"/>
+              </a:ext>
+            </a:extLst>
+          </p:cNvPr>
+          <p:cNvSpPr txBox="1"/>
+          <p:nvPr/>
+        </p:nvSpPr>
+        <p:spPr>
+          <a:xfrm>
+            <a:off x="667872" y="1968501"/>
+            <a:ext cx="7412249" cy="3970318"/>
+          </a:xfrm>
+          <a:prstGeom prst="rect">
+            <a:avLst/>
+          </a:prstGeom>
+          <a:noFill/>
+        </p:spPr>
+        <p:txBody>
+          <a:bodyPr wrap="square" rtlCol="0">
+            <a:spAutoFit/>
+          </a:bodyPr>
+          <a:lstStyle/>
+          <a:p>
+            <a:pPr marL="285750" marR="0" lvl="0" indent="-285750" algn="l" defTabSz="914400" rtl="0" eaLnBrk="1" fontAlgn="auto" latinLnBrk="0" hangingPunct="1">
+              <a:lnSpc>
+                <a:spcPct val="100000"/>
+              </a:lnSpc>
+              <a:spcBef>
+                <a:spcPts val="0"/>
+              </a:spcBef>
+              <a:spcAft>
+                <a:spcPts val="0"/>
+              </a:spcAft>
+              <a:buClrTx/>
+              <a:buSzTx/>
+              <a:buFont typeface="Arial" panose="020B0604020202020204" pitchFamily="34" charset="0"/>
+              <a:buChar char="•"/>
+              <a:tabLst/>
+              <a:defRPr/>
+            </a:pPr>
+            <a:r>
+              <a:rPr kumimoji="0" lang="en-US" sz="1800" b="0" i="0" u="none" strike="noStrike" kern="1200" cap="none" spc="0" normalizeH="0" baseline="0" noProof="0" dirty="0">
+                <a:ln>
+                  <a:noFill/>
+                </a:ln>
+                <a:solidFill>
+                  <a:prstClr val="black"/>
+                </a:solidFill>
+                <a:effectLst/>
+                <a:uLnTx/>
+                <a:uFillTx/>
+                <a:latin typeface="Calibri"/>
+                <a:ea typeface="+mn-ea"/>
+                <a:cs typeface="+mn-cs"/>
+              </a:rPr>
+              <a:t>Fuel pin dimensions listed</a:t>
+            </a:r>
+          </a:p>
+          <a:p>
+            <a:pPr marL="285750" lvl="0" indent="-285750">
+              <a:buFont typeface="Arial" panose="020B0604020202020204" pitchFamily="34" charset="0"/>
+              <a:buChar char="•"/>
+              <a:defRPr/>
+            </a:pPr>
+            <a:r>
+              <a:rPr lang="en-US" dirty="0">
+                <a:solidFill>
+                  <a:prstClr val="black"/>
+                </a:solidFill>
+              </a:rPr>
+              <a:t>Assume reasonable values for thermal conductivities</a:t>
+            </a:r>
+          </a:p>
+          <a:p>
+            <a:pPr marL="742950" lvl="1" indent="-285750">
+              <a:buFont typeface="Arial" panose="020B0604020202020204" pitchFamily="34" charset="0"/>
+              <a:buChar char="•"/>
+              <a:defRPr/>
+            </a:pPr>
+            <a:r>
+              <a:rPr lang="en-US" dirty="0">
+                <a:solidFill>
+                  <a:prstClr val="black"/>
+                </a:solidFill>
+              </a:rPr>
+              <a:t>Can assume constant k</a:t>
+            </a:r>
+          </a:p>
+          <a:p>
+            <a:pPr marL="285750" marR="0" lvl="0" indent="-285750" algn="l" defTabSz="914400" rtl="0" eaLnBrk="1" fontAlgn="auto" latinLnBrk="0" hangingPunct="1">
+              <a:lnSpc>
+                <a:spcPct val="100000"/>
+              </a:lnSpc>
+              <a:spcBef>
+                <a:spcPts val="0"/>
+              </a:spcBef>
+              <a:spcAft>
+                <a:spcPts val="0"/>
+              </a:spcAft>
+              <a:buClrTx/>
+              <a:buSzTx/>
+              <a:buFont typeface="Arial" panose="020B0604020202020204" pitchFamily="34" charset="0"/>
+              <a:buChar char="•"/>
+              <a:tabLst/>
+              <a:defRPr/>
+            </a:pPr>
+            <a:r>
+              <a:rPr kumimoji="0" lang="en-US" sz="1800" b="0" i="0" u="none" strike="noStrike" kern="1200" cap="none" spc="0" normalizeH="0" baseline="0" noProof="0" dirty="0">
+                <a:ln>
+                  <a:noFill/>
+                </a:ln>
+                <a:solidFill>
+                  <a:prstClr val="black"/>
+                </a:solidFill>
+                <a:effectLst/>
+                <a:uLnTx/>
+                <a:uFillTx/>
+                <a:latin typeface="Calibri"/>
+                <a:ea typeface="+mn-ea"/>
+                <a:cs typeface="+mn-cs"/>
+              </a:rPr>
+              <a:t>Utilize axial T</a:t>
+            </a:r>
+            <a:r>
+              <a:rPr kumimoji="0" lang="en-US" sz="1800" b="0" i="0" u="none" strike="noStrike" kern="1200" cap="none" spc="0" normalizeH="0" baseline="-25000" noProof="0" dirty="0">
+                <a:ln>
+                  <a:noFill/>
+                </a:ln>
+                <a:solidFill>
+                  <a:prstClr val="black"/>
+                </a:solidFill>
+                <a:effectLst/>
+                <a:uLnTx/>
+                <a:uFillTx/>
+                <a:latin typeface="Calibri"/>
+                <a:ea typeface="+mn-ea"/>
+                <a:cs typeface="+mn-cs"/>
+              </a:rPr>
+              <a:t>CO</a:t>
+            </a:r>
+            <a:r>
+              <a:rPr kumimoji="0" lang="en-US" sz="1800" b="0" i="0" u="none" strike="noStrike" kern="1200" cap="none" spc="0" normalizeH="0" noProof="0" dirty="0">
+                <a:ln>
+                  <a:noFill/>
+                </a:ln>
+                <a:solidFill>
+                  <a:prstClr val="black"/>
+                </a:solidFill>
+                <a:effectLst/>
+                <a:uLnTx/>
+                <a:uFillTx/>
+                <a:latin typeface="Calibri"/>
+                <a:ea typeface="+mn-ea"/>
+                <a:cs typeface="+mn-cs"/>
+              </a:rPr>
+              <a:t>, with reasonable flow rate, heat capacity, etc.</a:t>
+            </a:r>
+            <a:endParaRPr kumimoji="0" lang="en-US" sz="1800" b="0" i="0" u="none" strike="noStrike" kern="1200" cap="none" spc="0" normalizeH="0" baseline="-25000" noProof="0" dirty="0">
+              <a:ln>
+                <a:noFill/>
+              </a:ln>
+              <a:solidFill>
+                <a:prstClr val="black"/>
+              </a:solidFill>
+              <a:effectLst/>
+              <a:uLnTx/>
+              <a:uFillTx/>
+              <a:latin typeface="Calibri"/>
+              <a:ea typeface="+mn-ea"/>
+              <a:cs typeface="+mn-cs"/>
+            </a:endParaRPr>
+          </a:p>
+          <a:p>
+            <a:pPr marL="285750" marR="0" lvl="0" indent="-285750" algn="l" defTabSz="914400" rtl="0" eaLnBrk="1" fontAlgn="auto" latinLnBrk="0" hangingPunct="1">
+              <a:lnSpc>
+                <a:spcPct val="100000"/>
+              </a:lnSpc>
+              <a:spcBef>
+                <a:spcPts val="0"/>
+              </a:spcBef>
+              <a:spcAft>
+                <a:spcPts val="0"/>
+              </a:spcAft>
+              <a:buClrTx/>
+              <a:buSzTx/>
+              <a:buFont typeface="Arial" panose="020B0604020202020204" pitchFamily="34" charset="0"/>
+              <a:buChar char="•"/>
+              <a:tabLst/>
+              <a:defRPr/>
+            </a:pPr>
+            <a:endParaRPr kumimoji="0" lang="en-US" sz="1800" b="0" i="0" u="none" strike="noStrike" kern="1200" cap="none" spc="0" normalizeH="0" baseline="0" noProof="0" dirty="0">
+              <a:ln>
+                <a:noFill/>
+              </a:ln>
+              <a:solidFill>
+                <a:prstClr val="black"/>
+              </a:solidFill>
+              <a:effectLst/>
+              <a:uLnTx/>
+              <a:uFillTx/>
+              <a:latin typeface="Calibri"/>
+              <a:ea typeface="+mn-ea"/>
+              <a:cs typeface="+mn-cs"/>
+            </a:endParaRPr>
+          </a:p>
+          <a:p>
+            <a:pPr marL="285750" marR="0" lvl="0" indent="-285750" algn="l" defTabSz="914400" rtl="0" eaLnBrk="1" fontAlgn="auto" latinLnBrk="0" hangingPunct="1">
+              <a:lnSpc>
+                <a:spcPct val="100000"/>
+              </a:lnSpc>
+              <a:spcBef>
+                <a:spcPts val="0"/>
+              </a:spcBef>
+              <a:spcAft>
+                <a:spcPts val="0"/>
+              </a:spcAft>
+              <a:buClrTx/>
+              <a:buSzTx/>
+              <a:buFont typeface="Arial" panose="020B0604020202020204" pitchFamily="34" charset="0"/>
+              <a:buChar char="•"/>
+              <a:tabLst/>
+              <a:defRPr/>
+            </a:pPr>
+            <a:r>
+              <a:rPr kumimoji="0" lang="en-US" sz="1800" b="0" i="0" u="none" strike="noStrike" kern="1200" cap="none" spc="0" normalizeH="0" baseline="0" noProof="0" dirty="0">
+                <a:ln>
+                  <a:noFill/>
+                </a:ln>
+                <a:solidFill>
+                  <a:prstClr val="black"/>
+                </a:solidFill>
+                <a:effectLst/>
+                <a:uLnTx/>
+                <a:uFillTx/>
+                <a:latin typeface="Calibri"/>
+                <a:ea typeface="+mn-ea"/>
+                <a:cs typeface="+mn-cs"/>
+              </a:rPr>
+              <a:t>Solve temperature profile for: </a:t>
+            </a:r>
+          </a:p>
+          <a:p>
+            <a:pPr marL="742950" marR="0" lvl="1" indent="-285750" algn="l" defTabSz="914400" rtl="0" eaLnBrk="1" fontAlgn="auto" latinLnBrk="0" hangingPunct="1">
+              <a:lnSpc>
+                <a:spcPct val="100000"/>
+              </a:lnSpc>
+              <a:spcBef>
+                <a:spcPts val="0"/>
+              </a:spcBef>
+              <a:spcAft>
+                <a:spcPts val="0"/>
+              </a:spcAft>
+              <a:buClrTx/>
+              <a:buSzTx/>
+              <a:buFont typeface="Arial" panose="020B0604020202020204" pitchFamily="34" charset="0"/>
+              <a:buChar char="•"/>
+              <a:tabLst/>
+              <a:defRPr/>
+            </a:pPr>
+            <a:r>
+              <a:rPr kumimoji="0" lang="en-US" sz="1800" b="0" i="0" u="none" strike="noStrike" kern="1200" cap="none" spc="0" normalizeH="0" baseline="0" noProof="0" dirty="0">
+                <a:ln>
+                  <a:noFill/>
+                </a:ln>
+                <a:solidFill>
+                  <a:prstClr val="black"/>
+                </a:solidFill>
+                <a:effectLst/>
+                <a:uLnTx/>
+                <a:uFillTx/>
+                <a:latin typeface="Calibri"/>
+                <a:ea typeface="+mn-ea"/>
+                <a:cs typeface="+mn-cs"/>
+              </a:rPr>
+              <a:t>Steady-state: Volumetric/Areal heating rate: Q = 250 W/cm</a:t>
+            </a:r>
+            <a:r>
+              <a:rPr kumimoji="0" lang="en-US" sz="1800" b="0" i="0" u="none" strike="noStrike" kern="1200" cap="none" spc="0" normalizeH="0" baseline="30000" noProof="0" dirty="0">
+                <a:ln>
+                  <a:noFill/>
+                </a:ln>
+                <a:solidFill>
+                  <a:prstClr val="black"/>
+                </a:solidFill>
+                <a:effectLst/>
+                <a:uLnTx/>
+                <a:uFillTx/>
+                <a:latin typeface="Calibri"/>
+                <a:ea typeface="+mn-ea"/>
+                <a:cs typeface="+mn-cs"/>
+              </a:rPr>
+              <a:t>2</a:t>
+            </a:r>
+          </a:p>
+          <a:p>
+            <a:pPr marL="742950" marR="0" lvl="1" indent="-285750" algn="l" defTabSz="914400" rtl="0" eaLnBrk="1" fontAlgn="auto" latinLnBrk="0" hangingPunct="1">
+              <a:lnSpc>
+                <a:spcPct val="100000"/>
+              </a:lnSpc>
+              <a:spcBef>
+                <a:spcPts val="0"/>
+              </a:spcBef>
+              <a:spcAft>
+                <a:spcPts val="0"/>
+              </a:spcAft>
+              <a:buClrTx/>
+              <a:buSzTx/>
+              <a:buFont typeface="Arial" panose="020B0604020202020204" pitchFamily="34" charset="0"/>
+              <a:buChar char="•"/>
+              <a:tabLst/>
+              <a:defRPr/>
+            </a:pPr>
+            <a:r>
+              <a:rPr lang="en-US" dirty="0">
+                <a:solidFill>
+                  <a:prstClr val="black"/>
+                </a:solidFill>
+                <a:latin typeface="Calibri"/>
+              </a:rPr>
+              <a:t>@ z=0.25, z=0.5, z=1</a:t>
+            </a:r>
+            <a:endParaRPr kumimoji="0" lang="en-US" sz="1800" b="0" i="0" u="none" strike="noStrike" kern="1200" cap="none" spc="0" normalizeH="0" noProof="0" dirty="0">
+              <a:ln>
+                <a:noFill/>
+              </a:ln>
+              <a:solidFill>
+                <a:prstClr val="black"/>
+              </a:solidFill>
+              <a:effectLst/>
+              <a:uLnTx/>
+              <a:uFillTx/>
+              <a:latin typeface="Calibri"/>
+              <a:ea typeface="+mn-ea"/>
+              <a:cs typeface="+mn-cs"/>
+            </a:endParaRPr>
+          </a:p>
+          <a:p>
+            <a:pPr marL="285750" marR="0" lvl="0" indent="-285750" algn="l" defTabSz="914400" rtl="0" eaLnBrk="1" fontAlgn="auto" latinLnBrk="0" hangingPunct="1">
+              <a:lnSpc>
+                <a:spcPct val="100000"/>
+              </a:lnSpc>
+              <a:spcBef>
+                <a:spcPts val="0"/>
+              </a:spcBef>
+              <a:spcAft>
+                <a:spcPts val="0"/>
+              </a:spcAft>
+              <a:buClrTx/>
+              <a:buSzTx/>
+              <a:buFont typeface="Arial" panose="020B0604020202020204" pitchFamily="34" charset="0"/>
+              <a:buChar char="•"/>
+              <a:tabLst/>
+              <a:defRPr/>
+            </a:pPr>
+            <a:r>
+              <a:rPr kumimoji="0" lang="en-US" sz="1800" b="0" i="0" u="none" strike="noStrike" kern="1200" cap="none" spc="0" normalizeH="0" baseline="0" noProof="0" dirty="0">
+                <a:ln>
+                  <a:noFill/>
+                </a:ln>
+                <a:solidFill>
+                  <a:prstClr val="black"/>
+                </a:solidFill>
+                <a:effectLst/>
+                <a:uLnTx/>
+                <a:uFillTx/>
+                <a:latin typeface="Calibri"/>
+                <a:ea typeface="+mn-ea"/>
+                <a:cs typeface="+mn-cs"/>
+              </a:rPr>
+              <a:t>Solve for centerline temperature vs time</a:t>
+            </a:r>
+          </a:p>
+          <a:p>
+            <a:pPr marL="742950" marR="0" lvl="1" indent="-285750" algn="l" defTabSz="914400" rtl="0" eaLnBrk="1" fontAlgn="auto" latinLnBrk="0" hangingPunct="1">
+              <a:lnSpc>
+                <a:spcPct val="100000"/>
+              </a:lnSpc>
+              <a:spcBef>
+                <a:spcPts val="0"/>
+              </a:spcBef>
+              <a:spcAft>
+                <a:spcPts val="0"/>
+              </a:spcAft>
+              <a:buClrTx/>
+              <a:buSzTx/>
+              <a:buFont typeface="Arial" panose="020B0604020202020204" pitchFamily="34" charset="0"/>
+              <a:buChar char="•"/>
+              <a:tabLst/>
+              <a:defRPr/>
+            </a:pPr>
+            <a:r>
+              <a:rPr kumimoji="0" lang="en-US" sz="1800" b="0" i="0" u="none" strike="noStrike" kern="1200" cap="none" spc="0" normalizeH="0" baseline="0" noProof="0" dirty="0">
+                <a:ln>
+                  <a:noFill/>
+                </a:ln>
+                <a:solidFill>
+                  <a:prstClr val="black"/>
+                </a:solidFill>
+                <a:effectLst/>
+                <a:uLnTx/>
+                <a:uFillTx/>
+                <a:latin typeface="Calibri"/>
+                <a:ea typeface="+mn-ea"/>
+                <a:cs typeface="+mn-cs"/>
+              </a:rPr>
+              <a:t>Transient: Volumetric/Areal heating rate</a:t>
+            </a:r>
+            <a:endParaRPr lang="en-US" dirty="0">
+              <a:solidFill>
+                <a:prstClr val="black"/>
+              </a:solidFill>
+              <a:latin typeface="Calibri"/>
+            </a:endParaRPr>
+          </a:p>
+          <a:p>
+            <a:pPr lvl="2">
+              <a:defRPr/>
+            </a:pPr>
+            <a:r>
+              <a:rPr lang="en-US" dirty="0">
+                <a:solidFill>
+                  <a:prstClr val="black"/>
+                </a:solidFill>
+              </a:rPr>
+              <a:t>Q = 150*(1-EXP(-0.01*time))+250 </a:t>
+            </a:r>
+            <a:r>
+              <a:rPr kumimoji="0" lang="en-US" b="0" i="0" u="none" strike="noStrike" kern="1200" cap="none" spc="0" normalizeH="0" baseline="0" noProof="0" dirty="0">
+                <a:ln>
+                  <a:noFill/>
+                </a:ln>
+                <a:solidFill>
+                  <a:prstClr val="black"/>
+                </a:solidFill>
+                <a:effectLst/>
+                <a:uLnTx/>
+                <a:uFillTx/>
+                <a:latin typeface="Calibri"/>
+                <a:ea typeface="+mn-ea"/>
+                <a:cs typeface="+mn-cs"/>
+              </a:rPr>
+              <a:t>for up to t=200</a:t>
+            </a:r>
+          </a:p>
+          <a:p>
+            <a:pPr marL="742950" lvl="1" indent="-285750">
+              <a:buFont typeface="Arial" panose="020B0604020202020204" pitchFamily="34" charset="0"/>
+              <a:buChar char="•"/>
+              <a:defRPr/>
+            </a:pPr>
+            <a:r>
+              <a:rPr lang="en-US" dirty="0">
+                <a:solidFill>
+                  <a:prstClr val="black"/>
+                </a:solidFill>
+              </a:rPr>
+              <a:t>@ z=0.25, z=0.5, z=1</a:t>
+            </a:r>
+            <a:endParaRPr lang="en-US" dirty="0">
+              <a:solidFill>
+                <a:prstClr val="black"/>
+              </a:solidFill>
+              <a:latin typeface="Calibri"/>
+            </a:endParaRPr>
+          </a:p>
+          <a:p>
+            <a:pPr marL="285750" indent="-285750">
+              <a:buFont typeface="Arial" panose="020B0604020202020204" pitchFamily="34" charset="0"/>
+              <a:buChar char="•"/>
+              <a:defRPr/>
+            </a:pPr>
+            <a:r>
+              <a:rPr kumimoji="0" lang="en-US" b="0" i="0" u="none" strike="noStrike" kern="1200" cap="none" spc="0" normalizeH="0" baseline="0" noProof="0" dirty="0">
+                <a:ln>
+                  <a:noFill/>
+                </a:ln>
+                <a:solidFill>
+                  <a:prstClr val="black"/>
+                </a:solidFill>
+                <a:effectLst/>
+                <a:uLnTx/>
+                <a:uFillTx/>
+                <a:latin typeface="Calibri"/>
+                <a:ea typeface="+mn-ea"/>
+                <a:cs typeface="+mn-cs"/>
+              </a:rPr>
+              <a:t>Find location of peak centerline temperature at SS, and at t=200 in transient</a:t>
+            </a:r>
+          </a:p>
+        </p:txBody>
+      </p:sp>
+      <p:sp>
+        <p:nvSpPr>
+          <p:cNvPr id="17" name="TextBox 16">
+            <a:extLst>
+              <a:ext uri="{FF2B5EF4-FFF2-40B4-BE49-F238E27FC236}">
+                <a16:creationId xmlns:a16="http://schemas.microsoft.com/office/drawing/2014/main" id="{BF1AC033-6409-0C4A-AA93-30785D045B24}"/>
+              </a:ext>
+            </a:extLst>
+          </p:cNvPr>
+          <p:cNvSpPr txBox="1"/>
+          <p:nvPr/>
+        </p:nvSpPr>
+        <p:spPr>
+          <a:xfrm>
+            <a:off x="8947425" y="3793094"/>
+            <a:ext cx="1640540" cy="369332"/>
+          </a:xfrm>
+          <a:prstGeom prst="rect">
+            <a:avLst/>
+          </a:prstGeom>
+          <a:noFill/>
+        </p:spPr>
+        <p:txBody>
+          <a:bodyPr wrap="square" rtlCol="0">
+            <a:spAutoFit/>
+          </a:bodyPr>
+          <a:lstStyle/>
+          <a:p>
+            <a:pPr marL="0" marR="0" lvl="0" indent="0" algn="ctr" defTabSz="914400" rtl="0" eaLnBrk="1" fontAlgn="auto" latinLnBrk="0" hangingPunct="1">
+              <a:lnSpc>
+                <a:spcPct val="100000"/>
+              </a:lnSpc>
+              <a:spcBef>
+                <a:spcPts val="0"/>
+              </a:spcBef>
+              <a:spcAft>
+                <a:spcPts val="0"/>
+              </a:spcAft>
+              <a:buClrTx/>
+              <a:buSzTx/>
+              <a:buFontTx/>
+              <a:buNone/>
+              <a:tabLst/>
+              <a:defRPr/>
+            </a:pPr>
+            <a:r>
+              <a:rPr kumimoji="0" lang="en-US" sz="1800" b="0" i="0" u="none" strike="noStrike" kern="1200" cap="none" spc="0" normalizeH="0" baseline="0" noProof="0" dirty="0">
+                <a:ln>
+                  <a:noFill/>
+                </a:ln>
+                <a:solidFill>
+                  <a:prstClr val="black"/>
+                </a:solidFill>
+                <a:effectLst/>
+                <a:uLnTx/>
+                <a:uFillTx/>
+                <a:latin typeface="Calibri"/>
+                <a:ea typeface="+mn-ea"/>
+                <a:cs typeface="+mn-cs"/>
+              </a:rPr>
+              <a:t>Fuel</a:t>
+            </a:r>
+          </a:p>
+        </p:txBody>
+      </p:sp>
+      <p:sp>
+        <p:nvSpPr>
+          <p:cNvPr id="18" name="TextBox 17">
+            <a:extLst>
+              <a:ext uri="{FF2B5EF4-FFF2-40B4-BE49-F238E27FC236}">
+                <a16:creationId xmlns:a16="http://schemas.microsoft.com/office/drawing/2014/main" id="{140AB814-5772-5A48-AA51-C140D737CD00}"/>
+              </a:ext>
+            </a:extLst>
+          </p:cNvPr>
+          <p:cNvSpPr txBox="1"/>
+          <p:nvPr/>
+        </p:nvSpPr>
+        <p:spPr>
+          <a:xfrm rot="16200000">
+            <a:off x="9721334" y="3852362"/>
+            <a:ext cx="1640540" cy="369332"/>
+          </a:xfrm>
+          <a:prstGeom prst="rect">
+            <a:avLst/>
+          </a:prstGeom>
+          <a:noFill/>
+        </p:spPr>
+        <p:txBody>
+          <a:bodyPr wrap="square" rtlCol="0">
+            <a:spAutoFit/>
+          </a:bodyPr>
+          <a:lstStyle/>
+          <a:p>
+            <a:pPr marL="0" marR="0" lvl="0" indent="0" algn="ctr" defTabSz="914400" rtl="0" eaLnBrk="1" fontAlgn="auto" latinLnBrk="0" hangingPunct="1">
+              <a:lnSpc>
+                <a:spcPct val="100000"/>
+              </a:lnSpc>
+              <a:spcBef>
+                <a:spcPts val="0"/>
+              </a:spcBef>
+              <a:spcAft>
+                <a:spcPts val="0"/>
+              </a:spcAft>
+              <a:buClrTx/>
+              <a:buSzTx/>
+              <a:buFontTx/>
+              <a:buNone/>
+              <a:tabLst/>
+              <a:defRPr/>
+            </a:pPr>
+            <a:r>
+              <a:rPr kumimoji="0" lang="en-US" sz="1800" b="0" i="0" u="none" strike="noStrike" kern="1200" cap="none" spc="0" normalizeH="0" baseline="0" noProof="0" dirty="0">
+                <a:ln>
+                  <a:noFill/>
+                </a:ln>
+                <a:solidFill>
+                  <a:prstClr val="black"/>
+                </a:solidFill>
+                <a:effectLst/>
+                <a:uLnTx/>
+                <a:uFillTx/>
+                <a:latin typeface="Calibri"/>
+                <a:ea typeface="+mn-ea"/>
+                <a:cs typeface="+mn-cs"/>
+              </a:rPr>
+              <a:t>Gap</a:t>
+            </a:r>
+          </a:p>
+        </p:txBody>
+      </p:sp>
+      <p:sp>
+        <p:nvSpPr>
+          <p:cNvPr id="19" name="TextBox 18">
+            <a:extLst>
+              <a:ext uri="{FF2B5EF4-FFF2-40B4-BE49-F238E27FC236}">
+                <a16:creationId xmlns:a16="http://schemas.microsoft.com/office/drawing/2014/main" id="{5120E950-52CE-184A-96FC-2D43E51B266F}"/>
+              </a:ext>
+            </a:extLst>
+          </p:cNvPr>
+          <p:cNvSpPr txBox="1"/>
+          <p:nvPr/>
+        </p:nvSpPr>
+        <p:spPr>
+          <a:xfrm rot="16200000">
+            <a:off x="10134637" y="3893485"/>
+            <a:ext cx="1640540" cy="369332"/>
+          </a:xfrm>
+          <a:prstGeom prst="rect">
+            <a:avLst/>
+          </a:prstGeom>
+          <a:noFill/>
+        </p:spPr>
+        <p:txBody>
+          <a:bodyPr wrap="square" rtlCol="0">
+            <a:spAutoFit/>
+          </a:bodyPr>
+          <a:lstStyle/>
+          <a:p>
+            <a:pPr marL="0" marR="0" lvl="0" indent="0" algn="ctr" defTabSz="914400" rtl="0" eaLnBrk="1" fontAlgn="auto" latinLnBrk="0" hangingPunct="1">
+              <a:lnSpc>
+                <a:spcPct val="100000"/>
+              </a:lnSpc>
+              <a:spcBef>
+                <a:spcPts val="0"/>
+              </a:spcBef>
+              <a:spcAft>
+                <a:spcPts val="0"/>
+              </a:spcAft>
+              <a:buClrTx/>
+              <a:buSzTx/>
+              <a:buFontTx/>
+              <a:buNone/>
+              <a:tabLst/>
+              <a:defRPr/>
+            </a:pPr>
+            <a:r>
+              <a:rPr kumimoji="0" lang="en-US" sz="1800" b="0" i="0" u="none" strike="noStrike" kern="1200" cap="none" spc="0" normalizeH="0" baseline="0" noProof="0" dirty="0">
+                <a:ln>
+                  <a:noFill/>
+                </a:ln>
+                <a:solidFill>
+                  <a:prstClr val="black"/>
+                </a:solidFill>
+                <a:effectLst/>
+                <a:uLnTx/>
+                <a:uFillTx/>
+                <a:latin typeface="Calibri"/>
+                <a:ea typeface="+mn-ea"/>
+                <a:cs typeface="+mn-cs"/>
+              </a:rPr>
+              <a:t>Cladding</a:t>
+            </a:r>
+          </a:p>
+        </p:txBody>
+      </p:sp>
+      <p:sp>
+        <p:nvSpPr>
+          <p:cNvPr id="20" name="TextBox 19">
+            <a:extLst>
+              <a:ext uri="{FF2B5EF4-FFF2-40B4-BE49-F238E27FC236}">
+                <a16:creationId xmlns:a16="http://schemas.microsoft.com/office/drawing/2014/main" id="{500D7D2B-ACB3-E84C-8015-B6D0EFA467D3}"/>
+              </a:ext>
+            </a:extLst>
+          </p:cNvPr>
+          <p:cNvSpPr txBox="1"/>
+          <p:nvPr/>
+        </p:nvSpPr>
+        <p:spPr>
+          <a:xfrm>
+            <a:off x="8957514" y="451111"/>
+            <a:ext cx="1640540" cy="369332"/>
+          </a:xfrm>
+          <a:prstGeom prst="rect">
+            <a:avLst/>
+          </a:prstGeom>
+          <a:noFill/>
+        </p:spPr>
+        <p:txBody>
+          <a:bodyPr wrap="square" rtlCol="0">
+            <a:spAutoFit/>
+          </a:bodyPr>
+          <a:lstStyle/>
+          <a:p>
+            <a:pPr marL="0" marR="0" lvl="0" indent="0" algn="ctr" defTabSz="914400" rtl="0" eaLnBrk="1" fontAlgn="auto" latinLnBrk="0" hangingPunct="1">
+              <a:lnSpc>
+                <a:spcPct val="100000"/>
+              </a:lnSpc>
+              <a:spcBef>
+                <a:spcPts val="0"/>
+              </a:spcBef>
+              <a:spcAft>
+                <a:spcPts val="0"/>
+              </a:spcAft>
+              <a:buClrTx/>
+              <a:buSzTx/>
+              <a:buFontTx/>
+              <a:buNone/>
+              <a:tabLst/>
+              <a:defRPr/>
+            </a:pPr>
+            <a:r>
+              <a:rPr kumimoji="0" lang="en-US" sz="1800" b="0" i="0" u="none" strike="noStrike" kern="1200" cap="none" spc="0" normalizeH="0" baseline="0" noProof="0" dirty="0">
+                <a:ln>
+                  <a:noFill/>
+                </a:ln>
+                <a:solidFill>
+                  <a:prstClr val="black"/>
+                </a:solidFill>
+                <a:effectLst/>
+                <a:uLnTx/>
+                <a:uFillTx/>
+                <a:latin typeface="Calibri"/>
+                <a:ea typeface="+mn-ea"/>
+                <a:cs typeface="+mn-cs"/>
+              </a:rPr>
+              <a:t>0.5 cm</a:t>
+            </a:r>
+          </a:p>
+        </p:txBody>
+      </p:sp>
+      <p:sp>
+        <p:nvSpPr>
+          <p:cNvPr id="21" name="TextBox 20">
+            <a:extLst>
+              <a:ext uri="{FF2B5EF4-FFF2-40B4-BE49-F238E27FC236}">
+                <a16:creationId xmlns:a16="http://schemas.microsoft.com/office/drawing/2014/main" id="{B5933A57-5260-6845-8485-AD035242A637}"/>
+              </a:ext>
+            </a:extLst>
+          </p:cNvPr>
+          <p:cNvSpPr txBox="1"/>
+          <p:nvPr/>
+        </p:nvSpPr>
+        <p:spPr>
+          <a:xfrm>
+            <a:off x="9935597" y="901243"/>
+            <a:ext cx="1640540" cy="369332"/>
+          </a:xfrm>
+          <a:prstGeom prst="rect">
+            <a:avLst/>
+          </a:prstGeom>
+          <a:noFill/>
+        </p:spPr>
+        <p:txBody>
+          <a:bodyPr wrap="square" rtlCol="0">
+            <a:spAutoFit/>
+          </a:bodyPr>
+          <a:lstStyle/>
+          <a:p>
+            <a:pPr marL="0" marR="0" lvl="0" indent="0" algn="ctr" defTabSz="914400" rtl="0" eaLnBrk="1" fontAlgn="auto" latinLnBrk="0" hangingPunct="1">
+              <a:lnSpc>
+                <a:spcPct val="100000"/>
+              </a:lnSpc>
+              <a:spcBef>
+                <a:spcPts val="0"/>
+              </a:spcBef>
+              <a:spcAft>
+                <a:spcPts val="0"/>
+              </a:spcAft>
+              <a:buClrTx/>
+              <a:buSzTx/>
+              <a:buFontTx/>
+              <a:buNone/>
+              <a:tabLst/>
+              <a:defRPr/>
+            </a:pPr>
+            <a:r>
+              <a:rPr kumimoji="0" lang="en-US" sz="1800" b="0" i="0" u="none" strike="noStrike" kern="1200" cap="none" spc="0" normalizeH="0" baseline="0" noProof="0" dirty="0">
+                <a:ln>
+                  <a:noFill/>
+                </a:ln>
+                <a:solidFill>
+                  <a:prstClr val="black"/>
+                </a:solidFill>
+                <a:effectLst/>
+                <a:uLnTx/>
+                <a:uFillTx/>
+                <a:latin typeface="Calibri"/>
+                <a:ea typeface="+mn-ea"/>
+                <a:cs typeface="+mn-cs"/>
+              </a:rPr>
+              <a:t>0.1 cm</a:t>
+            </a:r>
+          </a:p>
+        </p:txBody>
+      </p:sp>
+      <p:sp>
+        <p:nvSpPr>
+          <p:cNvPr id="22" name="TextBox 21">
+            <a:extLst>
+              <a:ext uri="{FF2B5EF4-FFF2-40B4-BE49-F238E27FC236}">
+                <a16:creationId xmlns:a16="http://schemas.microsoft.com/office/drawing/2014/main" id="{94BB60B0-6BC9-B948-BD66-42B123FD7F61}"/>
+              </a:ext>
+            </a:extLst>
+          </p:cNvPr>
+          <p:cNvSpPr txBox="1"/>
+          <p:nvPr/>
+        </p:nvSpPr>
+        <p:spPr>
+          <a:xfrm>
+            <a:off x="10304310" y="426465"/>
+            <a:ext cx="1640540" cy="369332"/>
+          </a:xfrm>
+          <a:prstGeom prst="rect">
+            <a:avLst/>
+          </a:prstGeom>
+          <a:noFill/>
+        </p:spPr>
+        <p:txBody>
+          <a:bodyPr wrap="square" rtlCol="0">
+            <a:spAutoFit/>
+          </a:bodyPr>
+          <a:lstStyle/>
+          <a:p>
+            <a:pPr marL="0" marR="0" lvl="0" indent="0" algn="ctr" defTabSz="914400" rtl="0" eaLnBrk="1" fontAlgn="auto" latinLnBrk="0" hangingPunct="1">
+              <a:lnSpc>
+                <a:spcPct val="100000"/>
+              </a:lnSpc>
+              <a:spcBef>
+                <a:spcPts val="0"/>
+              </a:spcBef>
+              <a:spcAft>
+                <a:spcPts val="0"/>
+              </a:spcAft>
+              <a:buClrTx/>
+              <a:buSzTx/>
+              <a:buFontTx/>
+              <a:buNone/>
+              <a:tabLst/>
+              <a:defRPr/>
+            </a:pPr>
+            <a:r>
+              <a:rPr kumimoji="0" lang="en-US" sz="1800" b="0" i="0" u="none" strike="noStrike" kern="1200" cap="none" spc="0" normalizeH="0" baseline="0" noProof="0" dirty="0">
+                <a:ln>
+                  <a:noFill/>
+                </a:ln>
+                <a:solidFill>
+                  <a:prstClr val="black"/>
+                </a:solidFill>
+                <a:effectLst/>
+                <a:uLnTx/>
+                <a:uFillTx/>
+                <a:latin typeface="Calibri"/>
+                <a:ea typeface="+mn-ea"/>
+                <a:cs typeface="+mn-cs"/>
+              </a:rPr>
+              <a:t>0.1 cm</a:t>
+            </a:r>
+          </a:p>
+        </p:txBody>
+      </p:sp>
+      <p:sp>
+        <p:nvSpPr>
+          <p:cNvPr id="23" name="TextBox 22">
+            <a:extLst>
+              <a:ext uri="{FF2B5EF4-FFF2-40B4-BE49-F238E27FC236}">
+                <a16:creationId xmlns:a16="http://schemas.microsoft.com/office/drawing/2014/main" id="{9585D5CD-26F8-1C40-B55C-D9B4F132CE15}"/>
+              </a:ext>
+            </a:extLst>
+          </p:cNvPr>
+          <p:cNvSpPr txBox="1"/>
+          <p:nvPr/>
+        </p:nvSpPr>
+        <p:spPr>
+          <a:xfrm rot="16200000">
+            <a:off x="7761900" y="3608428"/>
+            <a:ext cx="1640540" cy="369332"/>
+          </a:xfrm>
+          <a:prstGeom prst="rect">
+            <a:avLst/>
+          </a:prstGeom>
+          <a:noFill/>
+        </p:spPr>
+        <p:txBody>
+          <a:bodyPr wrap="square" rtlCol="0">
+            <a:spAutoFit/>
+          </a:bodyPr>
+          <a:lstStyle/>
+          <a:p>
+            <a:pPr marL="0" marR="0" lvl="0" indent="0" algn="ctr" defTabSz="914400" rtl="0" eaLnBrk="1" fontAlgn="auto" latinLnBrk="0" hangingPunct="1">
+              <a:lnSpc>
+                <a:spcPct val="100000"/>
+              </a:lnSpc>
+              <a:spcBef>
+                <a:spcPts val="0"/>
+              </a:spcBef>
+              <a:spcAft>
+                <a:spcPts val="0"/>
+              </a:spcAft>
+              <a:buClrTx/>
+              <a:buSzTx/>
+              <a:buFontTx/>
+              <a:buNone/>
+              <a:tabLst/>
+              <a:defRPr/>
+            </a:pPr>
+            <a:r>
+              <a:rPr kumimoji="0" lang="en-US" sz="1800" b="0" i="0" u="none" strike="noStrike" kern="1200" cap="none" spc="0" normalizeH="0" baseline="0" noProof="0" dirty="0">
+                <a:ln>
+                  <a:noFill/>
+                </a:ln>
+                <a:solidFill>
+                  <a:prstClr val="black"/>
+                </a:solidFill>
+                <a:effectLst/>
+                <a:uLnTx/>
+                <a:uFillTx/>
+                <a:latin typeface="Calibri"/>
+                <a:ea typeface="+mn-ea"/>
+                <a:cs typeface="+mn-cs"/>
+              </a:rPr>
+              <a:t>1 m</a:t>
+            </a:r>
+          </a:p>
+        </p:txBody>
+      </p:sp>
+      <p:sp>
+        <p:nvSpPr>
+          <p:cNvPr id="8" name="Rectangle 7">
+            <a:extLst>
+              <a:ext uri="{FF2B5EF4-FFF2-40B4-BE49-F238E27FC236}">
+                <a16:creationId xmlns:a16="http://schemas.microsoft.com/office/drawing/2014/main" id="{BE84FFB4-2250-004C-A942-DD2EE972352F}"/>
+              </a:ext>
+            </a:extLst>
+          </p:cNvPr>
+          <p:cNvSpPr/>
+          <p:nvPr/>
+        </p:nvSpPr>
+        <p:spPr>
+          <a:xfrm>
+            <a:off x="10304310" y="3364727"/>
+            <a:ext cx="104577" cy="934278"/>
+          </a:xfrm>
+          <a:prstGeom prst="rect">
+            <a:avLst/>
+          </a:prstGeom>
+          <a:solidFill>
+            <a:srgbClr val="FF0000"/>
+          </a:solidFill>
+        </p:spPr>
+        <p:style>
+          <a:lnRef idx="1">
+            <a:schemeClr val="accent1"/>
+          </a:lnRef>
+          <a:fillRef idx="3">
+            <a:schemeClr val="accent1"/>
+          </a:fillRef>
+          <a:effectRef idx="2">
+            <a:schemeClr val="accent1"/>
+          </a:effectRef>
+          <a:fontRef idx="minor">
+            <a:schemeClr val="lt1"/>
+          </a:fontRef>
+        </p:style>
+        <p:txBody>
+          <a:bodyPr rtlCol="0" anchor="ctr"/>
+          <a:lstStyle/>
+          <a:p>
+            <a:pPr algn="ctr"/>
+            <a:endParaRPr lang="en-US"/>
+          </a:p>
+        </p:txBody>
+      </p:sp>
+    </p:spTree>
+    <p:extLst>
+      <p:ext uri="{BB962C8B-B14F-4D97-AF65-F5344CB8AC3E}">
+        <p14:creationId xmlns:p14="http://schemas.microsoft.com/office/powerpoint/2010/main" val="4294266829"/>
+      </p:ext>
+    </p:extLst>
+  </p:cSld>
+  <p:clrMapOvr>
+    <a:masterClrMapping/>
+  </p:clrMapOvr>
+</p:sld>
+</file>
+
+<file path=ppt/slides/slide4.xml><?xml version="1.0" encoding="utf-8"?>
+<p:sld xmlns:a="http://schemas.openxmlformats.org/drawingml/2006/main" xmlns:r="http://schemas.openxmlformats.org/officeDocument/2006/relationships" xmlns:p="http://schemas.openxmlformats.org/presentationml/2006/main">
+  <p:cSld>
+    <p:spTree>
+      <p:nvGrpSpPr>
+        <p:cNvPr id="1" name=""/>
+        <p:cNvGrpSpPr/>
+        <p:nvPr/>
+      </p:nvGrpSpPr>
+      <p:grpSpPr>
+        <a:xfrm>
+          <a:off x="0" y="0"/>
+          <a:ext cx="0" cy="0"/>
+          <a:chOff x="0" y="0"/>
+          <a:chExt cx="0" cy="0"/>
+        </a:xfrm>
+      </p:grpSpPr>
+      <p:sp>
+        <p:nvSpPr>
+          <p:cNvPr id="2" name="Title 1">
+            <a:extLst>
+              <a:ext uri="{FF2B5EF4-FFF2-40B4-BE49-F238E27FC236}">
                 <a16:creationId xmlns:a16="http://schemas.microsoft.com/office/drawing/2014/main" id="{6E32867D-E2DE-1F4F-BE52-17043EE6DA85}"/>
               </a:ext>
             </a:extLst>
@@ -6938,7 +8354,7 @@
               <a:pPr>
                 <a:defRPr/>
               </a:pPr>
-              <a:t>3</a:t>
+              <a:t>4</a:t>
             </a:fld>
             <a:endParaRPr lang="en-US"/>
           </a:p>

--- a/Nuclear_Fuel_Performance/NE533_Spring2022/MOOSE/MOOSE_project.pptx
+++ b/Nuclear_Fuel_Performance/NE533_Spring2022/MOOSE/MOOSE_project.pptx
@@ -303,7 +303,7 @@
             </a:pPr>
             <a:fld id="{D6F3A803-A045-354B-887A-01433CE46FC2}" type="datetime1">
               <a:rPr lang="en-US" smtClean="0"/>
-              <a:t>2/24/22</a:t>
+              <a:t>3/3/22</a:t>
             </a:fld>
             <a:endParaRPr lang="en-US"/>
           </a:p>
@@ -496,7 +496,7 @@
             </a:pPr>
             <a:fld id="{A8B33C1D-C2E2-1049-AA3F-CD6E91052752}" type="datetime1">
               <a:rPr lang="en-US" smtClean="0"/>
-              <a:t>2/24/22</a:t>
+              <a:t>3/3/22</a:t>
             </a:fld>
             <a:endParaRPr lang="en-US"/>
           </a:p>
@@ -698,7 +698,7 @@
             </a:pPr>
             <a:fld id="{2791AD68-B60C-4542-BDDD-2074DE6DE828}" type="datetime1">
               <a:rPr lang="en-US" smtClean="0"/>
-              <a:t>2/24/22</a:t>
+              <a:t>3/3/22</a:t>
             </a:fld>
             <a:endParaRPr lang="en-US"/>
           </a:p>
@@ -897,7 +897,7 @@
             </a:pPr>
             <a:fld id="{C5BD04BF-9DC2-6341-92B2-BD109A2EF3B1}" type="datetime1">
               <a:rPr lang="en-US" smtClean="0"/>
-              <a:t>2/24/22</a:t>
+              <a:t>3/3/22</a:t>
             </a:fld>
             <a:endParaRPr lang="en-US"/>
           </a:p>
@@ -1167,7 +1167,7 @@
             </a:pPr>
             <a:fld id="{FB0FFBC7-3028-644D-986B-D9855CB74B38}" type="datetime1">
               <a:rPr lang="en-US" smtClean="0"/>
-              <a:t>2/24/22</a:t>
+              <a:t>3/3/22</a:t>
             </a:fld>
             <a:endParaRPr lang="en-US"/>
           </a:p>
@@ -1478,7 +1478,7 @@
             </a:pPr>
             <a:fld id="{2C3B8AE4-01F5-CC42-9C62-61BC6528368B}" type="datetime1">
               <a:rPr lang="en-US" smtClean="0"/>
-              <a:t>2/24/22</a:t>
+              <a:t>3/3/22</a:t>
             </a:fld>
             <a:endParaRPr lang="en-US"/>
           </a:p>
@@ -1921,7 +1921,7 @@
             </a:pPr>
             <a:fld id="{77E49314-4A78-2444-9569-44EB70168344}" type="datetime1">
               <a:rPr lang="en-US" smtClean="0"/>
-              <a:t>2/24/22</a:t>
+              <a:t>3/3/22</a:t>
             </a:fld>
             <a:endParaRPr lang="en-US"/>
           </a:p>
@@ -2062,7 +2062,7 @@
             </a:pPr>
             <a:fld id="{5BC22837-4683-B242-B000-BCEE30621787}" type="datetime1">
               <a:rPr lang="en-US" smtClean="0"/>
-              <a:t>2/24/22</a:t>
+              <a:t>3/3/22</a:t>
             </a:fld>
             <a:endParaRPr lang="en-US"/>
           </a:p>
@@ -2181,7 +2181,7 @@
             </a:pPr>
             <a:fld id="{DCDAE926-7EF1-0B40-B57E-417D188A609C}" type="datetime1">
               <a:rPr lang="en-US" smtClean="0"/>
-              <a:t>2/24/22</a:t>
+              <a:t>3/3/22</a:t>
             </a:fld>
             <a:endParaRPr lang="en-US"/>
           </a:p>
@@ -2480,7 +2480,7 @@
             </a:pPr>
             <a:fld id="{518D107B-B9C7-5B41-A168-55258AB95F52}" type="datetime1">
               <a:rPr lang="en-US" smtClean="0"/>
-              <a:t>2/24/22</a:t>
+              <a:t>3/3/22</a:t>
             </a:fld>
             <a:endParaRPr lang="en-US"/>
           </a:p>
@@ -2764,7 +2764,7 @@
             </a:pPr>
             <a:fld id="{3AD92D36-EE82-3142-B011-9831FB5E702F}" type="datetime1">
               <a:rPr lang="en-US" smtClean="0"/>
-              <a:t>2/24/22</a:t>
+              <a:t>3/3/22</a:t>
             </a:fld>
             <a:endParaRPr lang="en-US"/>
           </a:p>
@@ -2905,7 +2905,7 @@
               </a14:hiddenLine>
             </a:ext>
             <a:ext uri="{FAA26D3D-D897-4be2-8F04-BA451C77F1D7}">
-              <ma14:placeholderFlag xmlns:ma14="http://schemas.microsoft.com/office/mac/drawingml/2011/main" xmlns="" val="1"/>
+              <ma14:placeholderFlag xmlns="" xmlns:ma14="http://schemas.microsoft.com/office/mac/drawingml/2011/main" val="1"/>
             </a:ext>
           </a:extLst>
         </p:spPr>
@@ -2973,7 +2973,7 @@
               </a14:hiddenLine>
             </a:ext>
             <a:ext uri="{FAA26D3D-D897-4be2-8F04-BA451C77F1D7}">
-              <ma14:placeholderFlag xmlns:ma14="http://schemas.microsoft.com/office/mac/drawingml/2011/main" xmlns="" val="1"/>
+              <ma14:placeholderFlag xmlns="" xmlns:ma14="http://schemas.microsoft.com/office/mac/drawingml/2011/main" val="1"/>
             </a:ext>
           </a:extLst>
         </p:spPr>
@@ -3069,7 +3069,7 @@
             </a:pPr>
             <a:fld id="{3EE08B4B-7256-494F-A90D-3891BD685F4A}" type="datetime1">
               <a:rPr lang="en-US" smtClean="0"/>
-              <a:t>2/24/22</a:t>
+              <a:t>3/3/22</a:t>
             </a:fld>
             <a:endParaRPr lang="en-US" dirty="0"/>
           </a:p>
@@ -6448,7 +6448,7 @@
                 <a:ea typeface="+mn-ea"/>
                 <a:cs typeface="+mn-cs"/>
               </a:rPr>
-              <a:t>0.5 cm</a:t>
+              <a:t>0.45 cm</a:t>
             </a:r>
           </a:p>
         </p:txBody>
@@ -6467,7 +6467,7 @@
         </p:nvSpPr>
         <p:spPr>
           <a:xfrm>
-            <a:off x="9935597" y="901243"/>
+            <a:off x="9906000" y="841494"/>
             <a:ext cx="1640540" cy="369332"/>
           </a:xfrm>
           <a:prstGeom prst="rect">
@@ -6513,7 +6513,7 @@
                 <a:ea typeface="+mn-ea"/>
                 <a:cs typeface="+mn-cs"/>
               </a:rPr>
-              <a:t>0.1 cm</a:t>
+              <a:t>0.005 cm</a:t>
             </a:r>
           </a:p>
         </p:txBody>
@@ -6578,7 +6578,7 @@
                 <a:ea typeface="+mn-ea"/>
                 <a:cs typeface="+mn-cs"/>
               </a:rPr>
-              <a:t>0.1 cm</a:t>
+              <a:t>0.08 cm</a:t>
             </a:r>
           </a:p>
         </p:txBody>
